--- a/PROJECT.pptx
+++ b/PROJECT.pptx
@@ -107,6 +107,11 @@
       </a:defRPr>
     </a:lvl9pPr>
   </p:defaultTextStyle>
+  <p:extLst>
+    <p:ext uri="{EFAFB233-063F-42B5-8137-9DF3F51BA10A}">
+      <p15:sldGuideLst xmlns:p15="http://schemas.microsoft.com/office/powerpoint/2012/main"/>
+    </p:ext>
+  </p:extLst>
 </p:presentation>
 </file>
 
@@ -259,7 +264,7 @@
           <a:p>
             <a:fld id="{AFE15163-DA2F-49D8-AEDF-CC6BD4EA0BFD}" type="datetimeFigureOut">
               <a:rPr lang="en-US" smtClean="0"/>
-              <a:t>12/4/2020</a:t>
+              <a:t>12/11/2020</a:t>
             </a:fld>
             <a:endParaRPr lang="en-US"/>
           </a:p>
@@ -313,7 +318,7 @@
           <a:p>
             <a:fld id="{E7D38BB5-114B-4E85-A425-71ED3AAE80E7}" type="slidenum">
               <a:rPr lang="en-US" smtClean="0"/>
-              <a:t>‹N›</a:t>
+              <a:t>‹#›</a:t>
             </a:fld>
             <a:endParaRPr lang="en-US"/>
           </a:p>
@@ -459,7 +464,7 @@
           <a:p>
             <a:fld id="{AFE15163-DA2F-49D8-AEDF-CC6BD4EA0BFD}" type="datetimeFigureOut">
               <a:rPr lang="en-US" smtClean="0"/>
-              <a:t>12/4/2020</a:t>
+              <a:t>12/11/2020</a:t>
             </a:fld>
             <a:endParaRPr lang="en-US"/>
           </a:p>
@@ -513,7 +518,7 @@
           <a:p>
             <a:fld id="{E7D38BB5-114B-4E85-A425-71ED3AAE80E7}" type="slidenum">
               <a:rPr lang="en-US" smtClean="0"/>
-              <a:t>‹N›</a:t>
+              <a:t>‹#›</a:t>
             </a:fld>
             <a:endParaRPr lang="en-US"/>
           </a:p>
@@ -669,7 +674,7 @@
           <a:p>
             <a:fld id="{AFE15163-DA2F-49D8-AEDF-CC6BD4EA0BFD}" type="datetimeFigureOut">
               <a:rPr lang="en-US" smtClean="0"/>
-              <a:t>12/4/2020</a:t>
+              <a:t>12/11/2020</a:t>
             </a:fld>
             <a:endParaRPr lang="en-US"/>
           </a:p>
@@ -723,7 +728,7 @@
           <a:p>
             <a:fld id="{E7D38BB5-114B-4E85-A425-71ED3AAE80E7}" type="slidenum">
               <a:rPr lang="en-US" smtClean="0"/>
-              <a:t>‹N›</a:t>
+              <a:t>‹#›</a:t>
             </a:fld>
             <a:endParaRPr lang="en-US"/>
           </a:p>
@@ -869,7 +874,7 @@
           <a:p>
             <a:fld id="{AFE15163-DA2F-49D8-AEDF-CC6BD4EA0BFD}" type="datetimeFigureOut">
               <a:rPr lang="en-US" smtClean="0"/>
-              <a:t>12/4/2020</a:t>
+              <a:t>12/11/2020</a:t>
             </a:fld>
             <a:endParaRPr lang="en-US"/>
           </a:p>
@@ -923,7 +928,7 @@
           <a:p>
             <a:fld id="{E7D38BB5-114B-4E85-A425-71ED3AAE80E7}" type="slidenum">
               <a:rPr lang="en-US" smtClean="0"/>
-              <a:t>‹N›</a:t>
+              <a:t>‹#›</a:t>
             </a:fld>
             <a:endParaRPr lang="en-US"/>
           </a:p>
@@ -1145,7 +1150,7 @@
           <a:p>
             <a:fld id="{AFE15163-DA2F-49D8-AEDF-CC6BD4EA0BFD}" type="datetimeFigureOut">
               <a:rPr lang="en-US" smtClean="0"/>
-              <a:t>12/4/2020</a:t>
+              <a:t>12/11/2020</a:t>
             </a:fld>
             <a:endParaRPr lang="en-US"/>
           </a:p>
@@ -1199,7 +1204,7 @@
           <a:p>
             <a:fld id="{E7D38BB5-114B-4E85-A425-71ED3AAE80E7}" type="slidenum">
               <a:rPr lang="en-US" smtClean="0"/>
-              <a:t>‹N›</a:t>
+              <a:t>‹#›</a:t>
             </a:fld>
             <a:endParaRPr lang="en-US"/>
           </a:p>
@@ -1413,7 +1418,7 @@
           <a:p>
             <a:fld id="{AFE15163-DA2F-49D8-AEDF-CC6BD4EA0BFD}" type="datetimeFigureOut">
               <a:rPr lang="en-US" smtClean="0"/>
-              <a:t>12/4/2020</a:t>
+              <a:t>12/11/2020</a:t>
             </a:fld>
             <a:endParaRPr lang="en-US"/>
           </a:p>
@@ -1467,7 +1472,7 @@
           <a:p>
             <a:fld id="{E7D38BB5-114B-4E85-A425-71ED3AAE80E7}" type="slidenum">
               <a:rPr lang="en-US" smtClean="0"/>
-              <a:t>‹N›</a:t>
+              <a:t>‹#›</a:t>
             </a:fld>
             <a:endParaRPr lang="en-US"/>
           </a:p>
@@ -1828,7 +1833,7 @@
           <a:p>
             <a:fld id="{AFE15163-DA2F-49D8-AEDF-CC6BD4EA0BFD}" type="datetimeFigureOut">
               <a:rPr lang="en-US" smtClean="0"/>
-              <a:t>12/4/2020</a:t>
+              <a:t>12/11/2020</a:t>
             </a:fld>
             <a:endParaRPr lang="en-US"/>
           </a:p>
@@ -1882,7 +1887,7 @@
           <a:p>
             <a:fld id="{E7D38BB5-114B-4E85-A425-71ED3AAE80E7}" type="slidenum">
               <a:rPr lang="en-US" smtClean="0"/>
-              <a:t>‹N›</a:t>
+              <a:t>‹#›</a:t>
             </a:fld>
             <a:endParaRPr lang="en-US"/>
           </a:p>
@@ -1970,7 +1975,7 @@
           <a:p>
             <a:fld id="{AFE15163-DA2F-49D8-AEDF-CC6BD4EA0BFD}" type="datetimeFigureOut">
               <a:rPr lang="en-US" smtClean="0"/>
-              <a:t>12/4/2020</a:t>
+              <a:t>12/11/2020</a:t>
             </a:fld>
             <a:endParaRPr lang="en-US"/>
           </a:p>
@@ -2024,7 +2029,7 @@
           <a:p>
             <a:fld id="{E7D38BB5-114B-4E85-A425-71ED3AAE80E7}" type="slidenum">
               <a:rPr lang="en-US" smtClean="0"/>
-              <a:t>‹N›</a:t>
+              <a:t>‹#›</a:t>
             </a:fld>
             <a:endParaRPr lang="en-US"/>
           </a:p>
@@ -2083,7 +2088,7 @@
           <a:p>
             <a:fld id="{AFE15163-DA2F-49D8-AEDF-CC6BD4EA0BFD}" type="datetimeFigureOut">
               <a:rPr lang="en-US" smtClean="0"/>
-              <a:t>12/4/2020</a:t>
+              <a:t>12/11/2020</a:t>
             </a:fld>
             <a:endParaRPr lang="en-US"/>
           </a:p>
@@ -2137,7 +2142,7 @@
           <a:p>
             <a:fld id="{E7D38BB5-114B-4E85-A425-71ED3AAE80E7}" type="slidenum">
               <a:rPr lang="en-US" smtClean="0"/>
-              <a:t>‹N›</a:t>
+              <a:t>‹#›</a:t>
             </a:fld>
             <a:endParaRPr lang="en-US"/>
           </a:p>
@@ -2396,7 +2401,7 @@
           <a:p>
             <a:fld id="{AFE15163-DA2F-49D8-AEDF-CC6BD4EA0BFD}" type="datetimeFigureOut">
               <a:rPr lang="en-US" smtClean="0"/>
-              <a:t>12/4/2020</a:t>
+              <a:t>12/11/2020</a:t>
             </a:fld>
             <a:endParaRPr lang="en-US"/>
           </a:p>
@@ -2450,7 +2455,7 @@
           <a:p>
             <a:fld id="{E7D38BB5-114B-4E85-A425-71ED3AAE80E7}" type="slidenum">
               <a:rPr lang="en-US" smtClean="0"/>
-              <a:t>‹N›</a:t>
+              <a:t>‹#›</a:t>
             </a:fld>
             <a:endParaRPr lang="en-US"/>
           </a:p>
@@ -2685,7 +2690,7 @@
           <a:p>
             <a:fld id="{AFE15163-DA2F-49D8-AEDF-CC6BD4EA0BFD}" type="datetimeFigureOut">
               <a:rPr lang="en-US" smtClean="0"/>
-              <a:t>12/4/2020</a:t>
+              <a:t>12/11/2020</a:t>
             </a:fld>
             <a:endParaRPr lang="en-US"/>
           </a:p>
@@ -2739,7 +2744,7 @@
           <a:p>
             <a:fld id="{E7D38BB5-114B-4E85-A425-71ED3AAE80E7}" type="slidenum">
               <a:rPr lang="en-US" smtClean="0"/>
-              <a:t>‹N›</a:t>
+              <a:t>‹#›</a:t>
             </a:fld>
             <a:endParaRPr lang="en-US"/>
           </a:p>
@@ -2928,7 +2933,7 @@
           <a:p>
             <a:fld id="{AFE15163-DA2F-49D8-AEDF-CC6BD4EA0BFD}" type="datetimeFigureOut">
               <a:rPr lang="en-US" smtClean="0"/>
-              <a:t>12/4/2020</a:t>
+              <a:t>12/11/2020</a:t>
             </a:fld>
             <a:endParaRPr lang="en-US"/>
           </a:p>
@@ -3018,7 +3023,7 @@
           <a:p>
             <a:fld id="{E7D38BB5-114B-4E85-A425-71ED3AAE80E7}" type="slidenum">
               <a:rPr lang="en-US" smtClean="0"/>
-              <a:t>‹N›</a:t>
+              <a:t>‹#›</a:t>
             </a:fld>
             <a:endParaRPr lang="en-US"/>
           </a:p>
@@ -3692,7 +3697,7 @@
         </p:nvSpPr>
         <p:spPr>
           <a:xfrm>
-            <a:off x="3669416" y="5733575"/>
+            <a:off x="8426693" y="3211558"/>
             <a:ext cx="1771861" cy="371400"/>
           </a:xfrm>
           <a:prstGeom prst="rect">
@@ -3756,7 +3761,7 @@
         </p:nvSpPr>
         <p:spPr>
           <a:xfrm>
-            <a:off x="948840" y="2299981"/>
+            <a:off x="-24307" y="2341150"/>
             <a:ext cx="1843902" cy="2304168"/>
           </a:xfrm>
           <a:prstGeom prst="rect">
@@ -3978,7 +3983,7 @@
         </p:nvSpPr>
         <p:spPr>
           <a:xfrm>
-            <a:off x="2894291" y="3098434"/>
+            <a:off x="1993446" y="3087591"/>
             <a:ext cx="1068300" cy="394800"/>
           </a:xfrm>
           <a:prstGeom prst="rect">
@@ -4042,7 +4047,7 @@
         </p:nvSpPr>
         <p:spPr>
           <a:xfrm>
-            <a:off x="5386532" y="3798285"/>
+            <a:off x="4834833" y="3868879"/>
             <a:ext cx="656936" cy="731875"/>
           </a:xfrm>
           <a:prstGeom prst="rect">
@@ -4153,8 +4158,8 @@
         </p:nvSpPr>
         <p:spPr>
           <a:xfrm>
-            <a:off x="6163059" y="3723617"/>
-            <a:ext cx="1568370" cy="477600"/>
+            <a:off x="5491769" y="3847710"/>
+            <a:ext cx="1843902" cy="646321"/>
           </a:xfrm>
           <a:prstGeom prst="rect">
             <a:avLst/>
@@ -4189,7 +4194,7 @@
                 <a:cs typeface="Calibri"/>
                 <a:sym typeface="Calibri"/>
               </a:rPr>
-              <a:t>Questionnaire</a:t>
+              <a:t>ListQuestionnaire</a:t>
             </a:r>
             <a:endParaRPr dirty="0">
               <a:solidFill>
@@ -4217,7 +4222,7 @@
         </p:nvSpPr>
         <p:spPr>
           <a:xfrm>
-            <a:off x="3988347" y="2895020"/>
+            <a:off x="3745790" y="3008434"/>
             <a:ext cx="567000" cy="231000"/>
           </a:xfrm>
           <a:prstGeom prst="rect">
@@ -4272,7 +4277,7 @@
         </p:nvSpPr>
         <p:spPr>
           <a:xfrm>
-            <a:off x="4967715" y="2741257"/>
+            <a:off x="4235736" y="2754634"/>
             <a:ext cx="1256033" cy="253800"/>
           </a:xfrm>
           <a:prstGeom prst="rect">
@@ -4319,7 +4324,7 @@
         </p:nvSpPr>
         <p:spPr>
           <a:xfrm>
-            <a:off x="5332755" y="3100333"/>
+            <a:off x="4598391" y="3084833"/>
             <a:ext cx="597000" cy="394800"/>
           </a:xfrm>
           <a:prstGeom prst="diamond">
@@ -4374,9 +4379,9 @@
           <p:nvPr/>
         </p:nvCxnSpPr>
         <p:spPr>
-          <a:xfrm>
-            <a:off x="3962591" y="3295834"/>
-            <a:ext cx="1370164" cy="1899"/>
+          <a:xfrm flipV="1">
+            <a:off x="3061746" y="3282233"/>
+            <a:ext cx="1536645" cy="2758"/>
           </a:xfrm>
           <a:prstGeom prst="straightConnector1">
             <a:avLst/>
@@ -4404,15 +4409,15 @@
           </p:cNvPr>
           <p:cNvCxnSpPr>
             <a:cxnSpLocks/>
-            <a:stCxn id="31" idx="2"/>
+            <a:stCxn id="31" idx="3"/>
             <a:endCxn id="28" idx="1"/>
           </p:cNvCxnSpPr>
           <p:nvPr/>
         </p:nvCxnSpPr>
         <p:spPr>
           <a:xfrm>
-            <a:off x="5631255" y="3495133"/>
-            <a:ext cx="531804" cy="467284"/>
+            <a:off x="5195391" y="3282233"/>
+            <a:ext cx="296378" cy="888638"/>
           </a:xfrm>
           <a:prstGeom prst="straightConnector1">
             <a:avLst/>
@@ -4443,7 +4448,7 @@
         </p:nvSpPr>
         <p:spPr>
           <a:xfrm>
-            <a:off x="6548635" y="4262339"/>
+            <a:off x="8059403" y="3554896"/>
             <a:ext cx="596671" cy="341810"/>
           </a:xfrm>
           <a:prstGeom prst="rect">
@@ -4555,7 +4560,7 @@
         </p:nvSpPr>
         <p:spPr>
           <a:xfrm>
-            <a:off x="7296479" y="3412460"/>
+            <a:off x="6633415" y="3239434"/>
             <a:ext cx="596677" cy="253800"/>
           </a:xfrm>
           <a:prstGeom prst="rect">
@@ -4607,18 +4612,20 @@
           </p:cNvPr>
           <p:cNvCxnSpPr>
             <a:cxnSpLocks/>
-            <a:stCxn id="24" idx="3"/>
-            <a:endCxn id="28" idx="2"/>
+            <a:stCxn id="24" idx="0"/>
+            <a:endCxn id="42" idx="2"/>
           </p:cNvCxnSpPr>
           <p:nvPr/>
         </p:nvCxnSpPr>
         <p:spPr>
-          <a:xfrm flipV="1">
-            <a:off x="5441277" y="4201217"/>
-            <a:ext cx="1505967" cy="1718058"/>
+          <a:xfrm rot="16200000" flipV="1">
+            <a:off x="8092670" y="1991604"/>
+            <a:ext cx="2107408" cy="332500"/>
           </a:xfrm>
-          <a:prstGeom prst="bentConnector2">
-            <a:avLst/>
+          <a:prstGeom prst="bentConnector3">
+            <a:avLst>
+              <a:gd name="adj1" fmla="val 50000"/>
+            </a:avLst>
           </a:prstGeom>
           <a:noFill/>
           <a:ln w="9525" cap="flat" cmpd="sng">
@@ -4646,7 +4653,7 @@
         </p:nvSpPr>
         <p:spPr>
           <a:xfrm>
-            <a:off x="9337100" y="3765017"/>
+            <a:off x="5664545" y="5901793"/>
             <a:ext cx="1498350" cy="394800"/>
           </a:xfrm>
           <a:prstGeom prst="rect">
@@ -4914,8 +4921,8 @@
         </p:nvCxnSpPr>
         <p:spPr>
           <a:xfrm rot="5400000">
-            <a:off x="2951805" y="1421145"/>
-            <a:ext cx="2153926" cy="1200653"/>
+            <a:off x="2506804" y="965300"/>
+            <a:ext cx="2143083" cy="2101498"/>
           </a:xfrm>
           <a:prstGeom prst="bentConnector3">
             <a:avLst>
@@ -4945,15 +4952,15 @@
           </p:cNvPr>
           <p:cNvCxnSpPr>
             <a:cxnSpLocks/>
-            <a:stCxn id="28" idx="3"/>
-            <a:endCxn id="46" idx="1"/>
+            <a:stCxn id="28" idx="2"/>
+            <a:endCxn id="46" idx="0"/>
           </p:cNvCxnSpPr>
           <p:nvPr/>
         </p:nvCxnSpPr>
         <p:spPr>
           <a:xfrm>
-            <a:off x="7731429" y="3962417"/>
-            <a:ext cx="1605671" cy="0"/>
+            <a:off x="6413720" y="4494031"/>
+            <a:ext cx="0" cy="1407762"/>
           </a:xfrm>
           <a:prstGeom prst="straightConnector1">
             <a:avLst/>
@@ -4984,7 +4991,7 @@
         </p:nvSpPr>
         <p:spPr>
           <a:xfrm>
-            <a:off x="8854037" y="3977075"/>
+            <a:off x="9658114" y="5164367"/>
             <a:ext cx="599245" cy="369332"/>
           </a:xfrm>
           <a:prstGeom prst="rect">
@@ -5031,8 +5038,8 @@
         </p:nvCxnSpPr>
         <p:spPr>
           <a:xfrm rot="16200000" flipV="1">
-            <a:off x="4748730" y="1525103"/>
-            <a:ext cx="2964809" cy="1432220"/>
+            <a:off x="4419921" y="1853911"/>
+            <a:ext cx="3088902" cy="898696"/>
           </a:xfrm>
           <a:prstGeom prst="bentConnector2">
             <a:avLst/>
@@ -5063,7 +5070,7 @@
         </p:nvSpPr>
         <p:spPr>
           <a:xfrm>
-            <a:off x="8314414" y="5761493"/>
+            <a:off x="10357229" y="3239434"/>
             <a:ext cx="1771861" cy="371400"/>
           </a:xfrm>
           <a:prstGeom prst="rect">
@@ -5179,13 +5186,15 @@
           </p:cNvPr>
           <p:cNvCxnSpPr>
             <a:cxnSpLocks/>
+            <a:stCxn id="107" idx="0"/>
+            <a:endCxn id="42" idx="3"/>
           </p:cNvCxnSpPr>
           <p:nvPr/>
         </p:nvCxnSpPr>
         <p:spPr>
-          <a:xfrm rot="10800000">
-            <a:off x="7437444" y="4226099"/>
-            <a:ext cx="911426" cy="1722536"/>
+          <a:xfrm rot="16200000" flipV="1">
+            <a:off x="9342572" y="1338845"/>
+            <a:ext cx="2332684" cy="1468493"/>
           </a:xfrm>
           <a:prstGeom prst="bentConnector2">
             <a:avLst/>
@@ -5254,6 +5263,109 @@
           </a:p>
         </p:txBody>
       </p:sp>
+      <p:sp>
+        <p:nvSpPr>
+          <p:cNvPr id="42" name="Google Shape;153;p28">
+            <a:extLst>
+              <a:ext uri="{FF2B5EF4-FFF2-40B4-BE49-F238E27FC236}">
+                <a16:creationId xmlns:a16="http://schemas.microsoft.com/office/drawing/2014/main" id="{B69AA4EA-FF9A-445F-BEC3-C4DF3AE65C8B}"/>
+              </a:ext>
+            </a:extLst>
+          </p:cNvPr>
+          <p:cNvSpPr/>
+          <p:nvPr/>
+        </p:nvSpPr>
+        <p:spPr>
+          <a:xfrm>
+            <a:off x="8185581" y="709349"/>
+            <a:ext cx="1589086" cy="394801"/>
+          </a:xfrm>
+          <a:prstGeom prst="rect">
+            <a:avLst/>
+          </a:prstGeom>
+          <a:solidFill>
+            <a:schemeClr val="lt1"/>
+          </a:solidFill>
+          <a:ln w="25400" cap="flat" cmpd="sng">
+            <a:solidFill>
+              <a:schemeClr val="accent1"/>
+            </a:solidFill>
+            <a:prstDash val="solid"/>
+            <a:round/>
+            <a:headEnd type="none" w="sm" len="sm"/>
+            <a:tailEnd type="none" w="sm" len="sm"/>
+          </a:ln>
+        </p:spPr>
+        <p:txBody>
+          <a:bodyPr spcFirstLastPara="1" wrap="square" lIns="91425" tIns="45700" rIns="91425" bIns="45700" anchor="ctr" anchorCtr="0">
+            <a:noAutofit/>
+          </a:bodyPr>
+          <a:lstStyle/>
+          <a:p>
+            <a:pPr algn="ctr"/>
+            <a:r>
+              <a:rPr lang="es-419" dirty="0" err="1">
+                <a:solidFill>
+                  <a:schemeClr val="dk1"/>
+                </a:solidFill>
+                <a:latin typeface="Calibri"/>
+                <a:ea typeface="Calibri"/>
+                <a:cs typeface="Calibri"/>
+                <a:sym typeface="Calibri"/>
+              </a:rPr>
+              <a:t>Questionnaire</a:t>
+            </a:r>
+            <a:endParaRPr dirty="0">
+              <a:solidFill>
+                <a:schemeClr val="dk1"/>
+              </a:solidFill>
+              <a:latin typeface="Calibri"/>
+              <a:ea typeface="Calibri"/>
+              <a:cs typeface="Calibri"/>
+              <a:sym typeface="Calibri"/>
+            </a:endParaRPr>
+          </a:p>
+        </p:txBody>
+      </p:sp>
+      <p:cxnSp>
+        <p:nvCxnSpPr>
+          <p:cNvPr id="62" name="Google Shape;166;p28">
+            <a:extLst>
+              <a:ext uri="{FF2B5EF4-FFF2-40B4-BE49-F238E27FC236}">
+                <a16:creationId xmlns:a16="http://schemas.microsoft.com/office/drawing/2014/main" id="{F5BBDC34-4E5A-48BA-95B4-DDC60FFF6DD8}"/>
+              </a:ext>
+            </a:extLst>
+          </p:cNvPr>
+          <p:cNvCxnSpPr>
+            <a:cxnSpLocks/>
+            <a:stCxn id="28" idx="3"/>
+            <a:endCxn id="42" idx="0"/>
+          </p:cNvCxnSpPr>
+          <p:nvPr/>
+        </p:nvCxnSpPr>
+        <p:spPr>
+          <a:xfrm flipV="1">
+            <a:off x="7335671" y="709349"/>
+            <a:ext cx="1644453" cy="3461522"/>
+          </a:xfrm>
+          <a:prstGeom prst="bentConnector4">
+            <a:avLst>
+              <a:gd name="adj1" fmla="val 25842"/>
+              <a:gd name="adj2" fmla="val 106604"/>
+            </a:avLst>
+          </a:prstGeom>
+          <a:noFill/>
+          <a:ln w="9525" cap="flat" cmpd="sng">
+            <a:solidFill>
+              <a:srgbClr val="3D85C6"/>
+            </a:solidFill>
+            <a:prstDash val="solid"/>
+            <a:round/>
+            <a:headEnd type="none" w="med" len="med"/>
+            <a:tailEnd type="none" w="med" len="med"/>
+          </a:ln>
+        </p:spPr>
+      </p:cxnSp>
     </p:spTree>
     <p:extLst>
       <p:ext uri="{BB962C8B-B14F-4D97-AF65-F5344CB8AC3E}">

--- a/PROJECT.pptx
+++ b/PROJECT.pptx
@@ -264,7 +264,7 @@
           <a:p>
             <a:fld id="{AFE15163-DA2F-49D8-AEDF-CC6BD4EA0BFD}" type="datetimeFigureOut">
               <a:rPr lang="en-US" smtClean="0"/>
-              <a:t>12/11/2020</a:t>
+              <a:t>2/23/2021</a:t>
             </a:fld>
             <a:endParaRPr lang="en-US"/>
           </a:p>
@@ -318,7 +318,7 @@
           <a:p>
             <a:fld id="{E7D38BB5-114B-4E85-A425-71ED3AAE80E7}" type="slidenum">
               <a:rPr lang="en-US" smtClean="0"/>
-              <a:t>‹#›</a:t>
+              <a:t>‹N›</a:t>
             </a:fld>
             <a:endParaRPr lang="en-US"/>
           </a:p>
@@ -464,7 +464,7 @@
           <a:p>
             <a:fld id="{AFE15163-DA2F-49D8-AEDF-CC6BD4EA0BFD}" type="datetimeFigureOut">
               <a:rPr lang="en-US" smtClean="0"/>
-              <a:t>12/11/2020</a:t>
+              <a:t>2/23/2021</a:t>
             </a:fld>
             <a:endParaRPr lang="en-US"/>
           </a:p>
@@ -518,7 +518,7 @@
           <a:p>
             <a:fld id="{E7D38BB5-114B-4E85-A425-71ED3AAE80E7}" type="slidenum">
               <a:rPr lang="en-US" smtClean="0"/>
-              <a:t>‹#›</a:t>
+              <a:t>‹N›</a:t>
             </a:fld>
             <a:endParaRPr lang="en-US"/>
           </a:p>
@@ -674,7 +674,7 @@
           <a:p>
             <a:fld id="{AFE15163-DA2F-49D8-AEDF-CC6BD4EA0BFD}" type="datetimeFigureOut">
               <a:rPr lang="en-US" smtClean="0"/>
-              <a:t>12/11/2020</a:t>
+              <a:t>2/23/2021</a:t>
             </a:fld>
             <a:endParaRPr lang="en-US"/>
           </a:p>
@@ -728,7 +728,7 @@
           <a:p>
             <a:fld id="{E7D38BB5-114B-4E85-A425-71ED3AAE80E7}" type="slidenum">
               <a:rPr lang="en-US" smtClean="0"/>
-              <a:t>‹#›</a:t>
+              <a:t>‹N›</a:t>
             </a:fld>
             <a:endParaRPr lang="en-US"/>
           </a:p>
@@ -874,7 +874,7 @@
           <a:p>
             <a:fld id="{AFE15163-DA2F-49D8-AEDF-CC6BD4EA0BFD}" type="datetimeFigureOut">
               <a:rPr lang="en-US" smtClean="0"/>
-              <a:t>12/11/2020</a:t>
+              <a:t>2/23/2021</a:t>
             </a:fld>
             <a:endParaRPr lang="en-US"/>
           </a:p>
@@ -928,7 +928,7 @@
           <a:p>
             <a:fld id="{E7D38BB5-114B-4E85-A425-71ED3AAE80E7}" type="slidenum">
               <a:rPr lang="en-US" smtClean="0"/>
-              <a:t>‹#›</a:t>
+              <a:t>‹N›</a:t>
             </a:fld>
             <a:endParaRPr lang="en-US"/>
           </a:p>
@@ -1150,7 +1150,7 @@
           <a:p>
             <a:fld id="{AFE15163-DA2F-49D8-AEDF-CC6BD4EA0BFD}" type="datetimeFigureOut">
               <a:rPr lang="en-US" smtClean="0"/>
-              <a:t>12/11/2020</a:t>
+              <a:t>2/23/2021</a:t>
             </a:fld>
             <a:endParaRPr lang="en-US"/>
           </a:p>
@@ -1204,7 +1204,7 @@
           <a:p>
             <a:fld id="{E7D38BB5-114B-4E85-A425-71ED3AAE80E7}" type="slidenum">
               <a:rPr lang="en-US" smtClean="0"/>
-              <a:t>‹#›</a:t>
+              <a:t>‹N›</a:t>
             </a:fld>
             <a:endParaRPr lang="en-US"/>
           </a:p>
@@ -1418,7 +1418,7 @@
           <a:p>
             <a:fld id="{AFE15163-DA2F-49D8-AEDF-CC6BD4EA0BFD}" type="datetimeFigureOut">
               <a:rPr lang="en-US" smtClean="0"/>
-              <a:t>12/11/2020</a:t>
+              <a:t>2/23/2021</a:t>
             </a:fld>
             <a:endParaRPr lang="en-US"/>
           </a:p>
@@ -1472,7 +1472,7 @@
           <a:p>
             <a:fld id="{E7D38BB5-114B-4E85-A425-71ED3AAE80E7}" type="slidenum">
               <a:rPr lang="en-US" smtClean="0"/>
-              <a:t>‹#›</a:t>
+              <a:t>‹N›</a:t>
             </a:fld>
             <a:endParaRPr lang="en-US"/>
           </a:p>
@@ -1833,7 +1833,7 @@
           <a:p>
             <a:fld id="{AFE15163-DA2F-49D8-AEDF-CC6BD4EA0BFD}" type="datetimeFigureOut">
               <a:rPr lang="en-US" smtClean="0"/>
-              <a:t>12/11/2020</a:t>
+              <a:t>2/23/2021</a:t>
             </a:fld>
             <a:endParaRPr lang="en-US"/>
           </a:p>
@@ -1887,7 +1887,7 @@
           <a:p>
             <a:fld id="{E7D38BB5-114B-4E85-A425-71ED3AAE80E7}" type="slidenum">
               <a:rPr lang="en-US" smtClean="0"/>
-              <a:t>‹#›</a:t>
+              <a:t>‹N›</a:t>
             </a:fld>
             <a:endParaRPr lang="en-US"/>
           </a:p>
@@ -1975,7 +1975,7 @@
           <a:p>
             <a:fld id="{AFE15163-DA2F-49D8-AEDF-CC6BD4EA0BFD}" type="datetimeFigureOut">
               <a:rPr lang="en-US" smtClean="0"/>
-              <a:t>12/11/2020</a:t>
+              <a:t>2/23/2021</a:t>
             </a:fld>
             <a:endParaRPr lang="en-US"/>
           </a:p>
@@ -2029,7 +2029,7 @@
           <a:p>
             <a:fld id="{E7D38BB5-114B-4E85-A425-71ED3AAE80E7}" type="slidenum">
               <a:rPr lang="en-US" smtClean="0"/>
-              <a:t>‹#›</a:t>
+              <a:t>‹N›</a:t>
             </a:fld>
             <a:endParaRPr lang="en-US"/>
           </a:p>
@@ -2088,7 +2088,7 @@
           <a:p>
             <a:fld id="{AFE15163-DA2F-49D8-AEDF-CC6BD4EA0BFD}" type="datetimeFigureOut">
               <a:rPr lang="en-US" smtClean="0"/>
-              <a:t>12/11/2020</a:t>
+              <a:t>2/23/2021</a:t>
             </a:fld>
             <a:endParaRPr lang="en-US"/>
           </a:p>
@@ -2142,7 +2142,7 @@
           <a:p>
             <a:fld id="{E7D38BB5-114B-4E85-A425-71ED3AAE80E7}" type="slidenum">
               <a:rPr lang="en-US" smtClean="0"/>
-              <a:t>‹#›</a:t>
+              <a:t>‹N›</a:t>
             </a:fld>
             <a:endParaRPr lang="en-US"/>
           </a:p>
@@ -2401,7 +2401,7 @@
           <a:p>
             <a:fld id="{AFE15163-DA2F-49D8-AEDF-CC6BD4EA0BFD}" type="datetimeFigureOut">
               <a:rPr lang="en-US" smtClean="0"/>
-              <a:t>12/11/2020</a:t>
+              <a:t>2/23/2021</a:t>
             </a:fld>
             <a:endParaRPr lang="en-US"/>
           </a:p>
@@ -2455,7 +2455,7 @@
           <a:p>
             <a:fld id="{E7D38BB5-114B-4E85-A425-71ED3AAE80E7}" type="slidenum">
               <a:rPr lang="en-US" smtClean="0"/>
-              <a:t>‹#›</a:t>
+              <a:t>‹N›</a:t>
             </a:fld>
             <a:endParaRPr lang="en-US"/>
           </a:p>
@@ -2690,7 +2690,7 @@
           <a:p>
             <a:fld id="{AFE15163-DA2F-49D8-AEDF-CC6BD4EA0BFD}" type="datetimeFigureOut">
               <a:rPr lang="en-US" smtClean="0"/>
-              <a:t>12/11/2020</a:t>
+              <a:t>2/23/2021</a:t>
             </a:fld>
             <a:endParaRPr lang="en-US"/>
           </a:p>
@@ -2744,7 +2744,7 @@
           <a:p>
             <a:fld id="{E7D38BB5-114B-4E85-A425-71ED3AAE80E7}" type="slidenum">
               <a:rPr lang="en-US" smtClean="0"/>
-              <a:t>‹#›</a:t>
+              <a:t>‹N›</a:t>
             </a:fld>
             <a:endParaRPr lang="en-US"/>
           </a:p>
@@ -2933,7 +2933,7 @@
           <a:p>
             <a:fld id="{AFE15163-DA2F-49D8-AEDF-CC6BD4EA0BFD}" type="datetimeFigureOut">
               <a:rPr lang="en-US" smtClean="0"/>
-              <a:t>12/11/2020</a:t>
+              <a:t>2/23/2021</a:t>
             </a:fld>
             <a:endParaRPr lang="en-US"/>
           </a:p>
@@ -3023,7 +3023,7 @@
           <a:p>
             <a:fld id="{E7D38BB5-114B-4E85-A425-71ED3AAE80E7}" type="slidenum">
               <a:rPr lang="en-US" smtClean="0"/>
-              <a:t>‹#›</a:t>
+              <a:t>‹N›</a:t>
             </a:fld>
             <a:endParaRPr lang="en-US"/>
           </a:p>
@@ -3372,9 +3372,10 @@
           <a:lstStyle/>
           <a:p>
             <a:r>
-              <a:rPr lang="en-US" dirty="0"/>
-              <a:t>PROJECT</a:t>
-            </a:r>
+              <a:rPr lang="en-US" dirty="0" err="1"/>
+              <a:t>EasyReview</a:t>
+            </a:r>
+            <a:endParaRPr lang="en-US" dirty="0"/>
           </a:p>
         </p:txBody>
       </p:sp>
@@ -3399,7 +3400,39 @@
           <a:bodyPr/>
           <a:lstStyle/>
           <a:p>
-            <a:endParaRPr lang="en-US"/>
+            <a:r>
+              <a:rPr lang="it-IT" dirty="0"/>
+              <a:t>Data </a:t>
+            </a:r>
+            <a:r>
+              <a:rPr lang="it-IT" dirty="0" err="1"/>
+              <a:t>Bases</a:t>
+            </a:r>
+            <a:r>
+              <a:rPr lang="it-IT" dirty="0"/>
+              <a:t> 2 Project</a:t>
+            </a:r>
+          </a:p>
+          <a:p>
+            <a:r>
+              <a:rPr lang="it-IT" dirty="0" err="1"/>
+              <a:t>Academic</a:t>
+            </a:r>
+            <a:r>
+              <a:rPr lang="it-IT" dirty="0"/>
+              <a:t> </a:t>
+            </a:r>
+            <a:r>
+              <a:rPr lang="it-IT" dirty="0" err="1"/>
+              <a:t>Year</a:t>
+            </a:r>
+            <a:r>
+              <a:rPr lang="it-IT" dirty="0"/>
+              <a:t> 2020/2021</a:t>
+            </a:r>
+          </a:p>
+          <a:p>
+            <a:endParaRPr lang="en-US" dirty="0"/>
           </a:p>
         </p:txBody>
       </p:sp>

--- a/PROJECT.pptx
+++ b/PROJECT.pptx
@@ -8,7 +8,8 @@
     <p:sldId id="256" r:id="rId2"/>
     <p:sldId id="257" r:id="rId3"/>
     <p:sldId id="259" r:id="rId4"/>
-    <p:sldId id="262" r:id="rId5"/>
+    <p:sldId id="263" r:id="rId5"/>
+    <p:sldId id="262" r:id="rId6"/>
   </p:sldIdLst>
   <p:sldSz cx="12192000" cy="6858000"/>
   <p:notesSz cx="6858000" cy="9144000"/>
@@ -3853,7 +3854,7 @@
           <a:p>
             <a:pPr algn="r"/>
             <a:r>
-              <a:rPr lang="es-419" sz="1600" dirty="0" err="1">
+              <a:rPr lang="es-419" sz="1600" dirty="0">
                 <a:solidFill>
                   <a:schemeClr val="dk1"/>
                 </a:solidFill>
@@ -3916,7 +3917,7 @@
           <a:p>
             <a:pPr algn="r"/>
             <a:r>
-              <a:rPr lang="it-IT" sz="1600" dirty="0" err="1">
+              <a:rPr lang="it-IT" sz="1600" dirty="0">
                 <a:solidFill>
                   <a:schemeClr val="dk1"/>
                 </a:solidFill>
@@ -3927,20 +3928,11 @@
               </a:rPr>
               <a:t>HasDoneQofToday</a:t>
             </a:r>
-            <a:endParaRPr lang="it-IT" sz="1600" dirty="0">
-              <a:solidFill>
-                <a:schemeClr val="dk1"/>
-              </a:solidFill>
-              <a:latin typeface="Calibri"/>
-              <a:ea typeface="Calibri"/>
-              <a:cs typeface="Calibri"/>
-              <a:sym typeface="Calibri"/>
-            </a:endParaRPr>
           </a:p>
           <a:p>
             <a:pPr algn="r"/>
             <a:r>
-              <a:rPr lang="it-IT" sz="1600" dirty="0" err="1">
+              <a:rPr lang="it-IT" sz="1600" dirty="0">
                 <a:solidFill>
                   <a:schemeClr val="dk1"/>
                 </a:solidFill>
@@ -3951,20 +3943,11 @@
               </a:rPr>
               <a:t>PointsOfToday</a:t>
             </a:r>
-            <a:endParaRPr lang="it-IT" sz="1600" dirty="0">
-              <a:solidFill>
-                <a:schemeClr val="dk1"/>
-              </a:solidFill>
-              <a:latin typeface="Calibri"/>
-              <a:ea typeface="Calibri"/>
-              <a:cs typeface="Calibri"/>
-              <a:sym typeface="Calibri"/>
-            </a:endParaRPr>
           </a:p>
           <a:p>
             <a:pPr algn="r"/>
             <a:r>
-              <a:rPr lang="it-IT" sz="1600" dirty="0" err="1">
+              <a:rPr lang="it-IT" sz="1600" dirty="0">
                 <a:solidFill>
                   <a:schemeClr val="dk1"/>
                 </a:solidFill>
@@ -3975,15 +3958,6 @@
               </a:rPr>
               <a:t>TotalPoint</a:t>
             </a:r>
-            <a:endParaRPr lang="it-IT" sz="1600" dirty="0">
-              <a:solidFill>
-                <a:schemeClr val="dk1"/>
-              </a:solidFill>
-              <a:latin typeface="Calibri"/>
-              <a:ea typeface="Calibri"/>
-              <a:cs typeface="Calibri"/>
-              <a:sym typeface="Calibri"/>
-            </a:endParaRPr>
           </a:p>
           <a:p>
             <a:pPr algn="r"/>
@@ -4329,7 +4303,7 @@
           <a:p>
             <a:pPr algn="r"/>
             <a:r>
-              <a:rPr lang="es-419" sz="1600" dirty="0" err="1">
+              <a:rPr lang="es-419" sz="1600" dirty="0">
                 <a:solidFill>
                   <a:schemeClr val="dk1"/>
                 </a:solidFill>
@@ -4782,7 +4756,7 @@
           <a:p>
             <a:pPr algn="r"/>
             <a:r>
-              <a:rPr lang="es-419" dirty="0" err="1">
+              <a:rPr lang="es-419" dirty="0">
                 <a:solidFill>
                   <a:schemeClr val="dk1"/>
                 </a:solidFill>
@@ -4793,15 +4767,6 @@
               </a:rPr>
               <a:t>Timestamp</a:t>
             </a:r>
-            <a:endParaRPr lang="es-419" dirty="0">
-              <a:solidFill>
-                <a:schemeClr val="dk1"/>
-              </a:solidFill>
-              <a:latin typeface="Calibri"/>
-              <a:ea typeface="Calibri"/>
-              <a:cs typeface="Calibri"/>
-              <a:sym typeface="Calibri"/>
-            </a:endParaRPr>
           </a:p>
           <a:p>
             <a:pPr algn="r"/>
@@ -5337,7 +5302,7 @@
           <a:p>
             <a:pPr algn="ctr"/>
             <a:r>
-              <a:rPr lang="es-419" dirty="0" err="1">
+              <a:rPr lang="es-419" dirty="0">
                 <a:solidFill>
                   <a:schemeClr val="dk1"/>
                 </a:solidFill>
@@ -5413,6 +5378,3741 @@
 </file>
 
 <file path=ppt/slides/slide4.xml><?xml version="1.0" encoding="utf-8"?>
+<p:sld xmlns:a="http://schemas.openxmlformats.org/drawingml/2006/main" xmlns:r="http://schemas.openxmlformats.org/officeDocument/2006/relationships" xmlns:p="http://schemas.openxmlformats.org/presentationml/2006/main">
+  <p:cSld>
+    <p:spTree>
+      <p:nvGrpSpPr>
+        <p:cNvPr id="1" name=""/>
+        <p:cNvGrpSpPr/>
+        <p:nvPr/>
+      </p:nvGrpSpPr>
+      <p:grpSpPr>
+        <a:xfrm>
+          <a:off x="0" y="0"/>
+          <a:ext cx="0" cy="0"/>
+          <a:chOff x="0" y="0"/>
+          <a:chExt cx="0" cy="0"/>
+        </a:xfrm>
+      </p:grpSpPr>
+      <p:sp>
+        <p:nvSpPr>
+          <p:cNvPr id="25" name="Google Shape;149;p28">
+            <a:extLst>
+              <a:ext uri="{FF2B5EF4-FFF2-40B4-BE49-F238E27FC236}">
+                <a16:creationId xmlns:a16="http://schemas.microsoft.com/office/drawing/2014/main" id="{672FED58-3855-421E-8246-54495746BC9A}"/>
+              </a:ext>
+            </a:extLst>
+          </p:cNvPr>
+          <p:cNvSpPr txBox="1"/>
+          <p:nvPr/>
+        </p:nvSpPr>
+        <p:spPr>
+          <a:xfrm>
+            <a:off x="1068750" y="2872228"/>
+            <a:ext cx="876171" cy="1242087"/>
+          </a:xfrm>
+          <a:prstGeom prst="rect">
+            <a:avLst/>
+          </a:prstGeom>
+          <a:noFill/>
+          <a:ln>
+            <a:noFill/>
+          </a:ln>
+        </p:spPr>
+        <p:txBody>
+          <a:bodyPr spcFirstLastPara="1" wrap="square" lIns="91425" tIns="45700" rIns="91425" bIns="45700" anchor="t" anchorCtr="0">
+            <a:noAutofit/>
+          </a:bodyPr>
+          <a:lstStyle/>
+          <a:p>
+            <a:pPr algn="r"/>
+            <a:r>
+              <a:rPr lang="es-419" sz="1200" b="1" dirty="0">
+                <a:solidFill>
+                  <a:schemeClr val="dk1"/>
+                </a:solidFill>
+                <a:latin typeface="Calibri"/>
+                <a:ea typeface="Calibri"/>
+                <a:cs typeface="Calibri"/>
+                <a:sym typeface="Calibri"/>
+              </a:rPr>
+              <a:t>ID</a:t>
+            </a:r>
+            <a:endParaRPr sz="1200" b="1" dirty="0"/>
+          </a:p>
+          <a:p>
+            <a:pPr algn="r"/>
+            <a:r>
+              <a:rPr lang="en-US" sz="1200" dirty="0">
+                <a:solidFill>
+                  <a:schemeClr val="dk1"/>
+                </a:solidFill>
+                <a:latin typeface="Calibri"/>
+                <a:ea typeface="Calibri"/>
+                <a:cs typeface="Calibri"/>
+                <a:sym typeface="Calibri"/>
+              </a:rPr>
+              <a:t>username</a:t>
+            </a:r>
+          </a:p>
+          <a:p>
+            <a:pPr algn="r"/>
+            <a:r>
+              <a:rPr lang="es-419" sz="1200" dirty="0">
+                <a:solidFill>
+                  <a:schemeClr val="dk1"/>
+                </a:solidFill>
+                <a:latin typeface="Calibri"/>
+                <a:ea typeface="Calibri"/>
+                <a:cs typeface="Calibri"/>
+                <a:sym typeface="Calibri"/>
+              </a:rPr>
+              <a:t>password</a:t>
+            </a:r>
+            <a:endParaRPr sz="1200" dirty="0">
+              <a:solidFill>
+                <a:schemeClr val="dk1"/>
+              </a:solidFill>
+              <a:latin typeface="Calibri"/>
+              <a:ea typeface="Calibri"/>
+              <a:cs typeface="Calibri"/>
+              <a:sym typeface="Calibri"/>
+            </a:endParaRPr>
+          </a:p>
+          <a:p>
+            <a:pPr algn="r"/>
+            <a:r>
+              <a:rPr lang="es-419" sz="1200" dirty="0">
+                <a:solidFill>
+                  <a:schemeClr val="dk1"/>
+                </a:solidFill>
+                <a:latin typeface="Calibri"/>
+                <a:ea typeface="Calibri"/>
+                <a:cs typeface="Calibri"/>
+                <a:sym typeface="Calibri"/>
+              </a:rPr>
+              <a:t>email</a:t>
+            </a:r>
+          </a:p>
+          <a:p>
+            <a:pPr algn="r"/>
+            <a:r>
+              <a:rPr lang="en-US" sz="1200" dirty="0">
+                <a:solidFill>
+                  <a:schemeClr val="dk1"/>
+                </a:solidFill>
+                <a:latin typeface="Calibri"/>
+                <a:ea typeface="Calibri"/>
+                <a:cs typeface="Calibri"/>
+                <a:sym typeface="Calibri"/>
+              </a:rPr>
+              <a:t>banned</a:t>
+            </a:r>
+            <a:endParaRPr lang="it-IT" sz="1200" dirty="0">
+              <a:solidFill>
+                <a:schemeClr val="dk1"/>
+              </a:solidFill>
+              <a:latin typeface="Calibri"/>
+              <a:ea typeface="Calibri"/>
+              <a:cs typeface="Calibri"/>
+              <a:sym typeface="Calibri"/>
+            </a:endParaRPr>
+          </a:p>
+          <a:p>
+            <a:pPr algn="r"/>
+            <a:r>
+              <a:rPr lang="it-IT" sz="1200" dirty="0">
+                <a:solidFill>
+                  <a:schemeClr val="dk1"/>
+                </a:solidFill>
+                <a:latin typeface="Calibri"/>
+                <a:ea typeface="Calibri"/>
+                <a:cs typeface="Calibri"/>
+                <a:sym typeface="Calibri"/>
+              </a:rPr>
+              <a:t>totalPoint</a:t>
+            </a:r>
+          </a:p>
+          <a:p>
+            <a:pPr algn="r"/>
+            <a:endParaRPr lang="it-IT" sz="1200" dirty="0">
+              <a:solidFill>
+                <a:schemeClr val="dk1"/>
+              </a:solidFill>
+              <a:latin typeface="Calibri"/>
+              <a:ea typeface="Calibri"/>
+              <a:cs typeface="Calibri"/>
+              <a:sym typeface="Calibri"/>
+            </a:endParaRPr>
+          </a:p>
+        </p:txBody>
+      </p:sp>
+      <p:sp>
+        <p:nvSpPr>
+          <p:cNvPr id="26" name="Google Shape;150;p28">
+            <a:extLst>
+              <a:ext uri="{FF2B5EF4-FFF2-40B4-BE49-F238E27FC236}">
+                <a16:creationId xmlns:a16="http://schemas.microsoft.com/office/drawing/2014/main" id="{0C3B297B-DBCA-44E7-8492-C9DC5951AFAE}"/>
+              </a:ext>
+            </a:extLst>
+          </p:cNvPr>
+          <p:cNvSpPr/>
+          <p:nvPr/>
+        </p:nvSpPr>
+        <p:spPr>
+          <a:xfrm>
+            <a:off x="1993446" y="3087591"/>
+            <a:ext cx="1068300" cy="394800"/>
+          </a:xfrm>
+          <a:prstGeom prst="rect">
+            <a:avLst/>
+          </a:prstGeom>
+          <a:solidFill>
+            <a:schemeClr val="lt1"/>
+          </a:solidFill>
+          <a:ln w="25400" cap="flat" cmpd="sng">
+            <a:solidFill>
+              <a:schemeClr val="accent1"/>
+            </a:solidFill>
+            <a:prstDash val="solid"/>
+            <a:round/>
+            <a:headEnd type="none" w="sm" len="sm"/>
+            <a:tailEnd type="none" w="sm" len="sm"/>
+          </a:ln>
+        </p:spPr>
+        <p:txBody>
+          <a:bodyPr spcFirstLastPara="1" wrap="square" lIns="91425" tIns="45700" rIns="91425" bIns="45700" anchor="ctr" anchorCtr="0">
+            <a:noAutofit/>
+          </a:bodyPr>
+          <a:lstStyle/>
+          <a:p>
+            <a:pPr algn="ctr"/>
+            <a:r>
+              <a:rPr lang="es-419" dirty="0" err="1">
+                <a:solidFill>
+                  <a:schemeClr val="dk1"/>
+                </a:solidFill>
+                <a:latin typeface="Calibri"/>
+                <a:ea typeface="Calibri"/>
+                <a:cs typeface="Calibri"/>
+                <a:sym typeface="Calibri"/>
+              </a:rPr>
+              <a:t>User</a:t>
+            </a:r>
+            <a:endParaRPr dirty="0">
+              <a:solidFill>
+                <a:schemeClr val="dk1"/>
+              </a:solidFill>
+              <a:latin typeface="Calibri"/>
+              <a:ea typeface="Calibri"/>
+              <a:cs typeface="Calibri"/>
+              <a:sym typeface="Calibri"/>
+            </a:endParaRPr>
+          </a:p>
+        </p:txBody>
+      </p:sp>
+      <p:sp>
+        <p:nvSpPr>
+          <p:cNvPr id="53" name="Google Shape;150;p28">
+            <a:extLst>
+              <a:ext uri="{FF2B5EF4-FFF2-40B4-BE49-F238E27FC236}">
+                <a16:creationId xmlns:a16="http://schemas.microsoft.com/office/drawing/2014/main" id="{496E9124-D842-42DD-9DB7-3238417C7256}"/>
+              </a:ext>
+            </a:extLst>
+          </p:cNvPr>
+          <p:cNvSpPr/>
+          <p:nvPr/>
+        </p:nvSpPr>
+        <p:spPr>
+          <a:xfrm>
+            <a:off x="1993446" y="3087591"/>
+            <a:ext cx="1068300" cy="394800"/>
+          </a:xfrm>
+          <a:prstGeom prst="rect">
+            <a:avLst/>
+          </a:prstGeom>
+          <a:solidFill>
+            <a:schemeClr val="lt1"/>
+          </a:solidFill>
+          <a:ln w="25400" cap="flat" cmpd="sng">
+            <a:solidFill>
+              <a:schemeClr val="accent1"/>
+            </a:solidFill>
+            <a:prstDash val="solid"/>
+            <a:round/>
+            <a:headEnd type="none" w="sm" len="sm"/>
+            <a:tailEnd type="none" w="sm" len="sm"/>
+          </a:ln>
+        </p:spPr>
+        <p:txBody>
+          <a:bodyPr spcFirstLastPara="1" wrap="square" lIns="91425" tIns="45700" rIns="91425" bIns="45700" anchor="ctr" anchorCtr="0">
+            <a:noAutofit/>
+          </a:bodyPr>
+          <a:lstStyle/>
+          <a:p>
+            <a:pPr algn="ctr"/>
+            <a:r>
+              <a:rPr lang="es-419">
+                <a:solidFill>
+                  <a:schemeClr val="dk1"/>
+                </a:solidFill>
+                <a:latin typeface="Calibri"/>
+                <a:ea typeface="Calibri"/>
+                <a:cs typeface="Calibri"/>
+                <a:sym typeface="Calibri"/>
+              </a:rPr>
+              <a:t>User</a:t>
+            </a:r>
+            <a:endParaRPr>
+              <a:solidFill>
+                <a:schemeClr val="dk1"/>
+              </a:solidFill>
+              <a:latin typeface="Calibri"/>
+              <a:ea typeface="Calibri"/>
+              <a:cs typeface="Calibri"/>
+              <a:sym typeface="Calibri"/>
+            </a:endParaRPr>
+          </a:p>
+        </p:txBody>
+      </p:sp>
+      <p:sp>
+        <p:nvSpPr>
+          <p:cNvPr id="54" name="Google Shape;152;p28">
+            <a:extLst>
+              <a:ext uri="{FF2B5EF4-FFF2-40B4-BE49-F238E27FC236}">
+                <a16:creationId xmlns:a16="http://schemas.microsoft.com/office/drawing/2014/main" id="{E0D8182E-8672-491D-8A81-EC2AD701B85C}"/>
+              </a:ext>
+            </a:extLst>
+          </p:cNvPr>
+          <p:cNvSpPr txBox="1"/>
+          <p:nvPr/>
+        </p:nvSpPr>
+        <p:spPr>
+          <a:xfrm>
+            <a:off x="5681998" y="3052756"/>
+            <a:ext cx="656936" cy="563054"/>
+          </a:xfrm>
+          <a:prstGeom prst="rect">
+            <a:avLst/>
+          </a:prstGeom>
+          <a:noFill/>
+          <a:ln>
+            <a:noFill/>
+          </a:ln>
+        </p:spPr>
+        <p:txBody>
+          <a:bodyPr spcFirstLastPara="1" wrap="square" lIns="91425" tIns="45700" rIns="91425" bIns="45700" anchor="t" anchorCtr="0">
+            <a:noAutofit/>
+          </a:bodyPr>
+          <a:lstStyle/>
+          <a:p>
+            <a:r>
+              <a:rPr lang="es-419" sz="1200" b="1" dirty="0">
+                <a:solidFill>
+                  <a:schemeClr val="dk1"/>
+                </a:solidFill>
+                <a:latin typeface="Calibri"/>
+                <a:ea typeface="Calibri"/>
+                <a:cs typeface="Calibri"/>
+                <a:sym typeface="Calibri"/>
+              </a:rPr>
+              <a:t>ID</a:t>
+            </a:r>
+            <a:endParaRPr sz="1200" b="1" dirty="0">
+              <a:solidFill>
+                <a:schemeClr val="dk1"/>
+              </a:solidFill>
+              <a:latin typeface="Calibri"/>
+              <a:ea typeface="Calibri"/>
+              <a:cs typeface="Calibri"/>
+              <a:sym typeface="Calibri"/>
+            </a:endParaRPr>
+          </a:p>
+          <a:p>
+            <a:r>
+              <a:rPr lang="es-419" sz="1200" dirty="0">
+                <a:solidFill>
+                  <a:schemeClr val="dk1"/>
+                </a:solidFill>
+                <a:latin typeface="Calibri"/>
+                <a:ea typeface="Calibri"/>
+                <a:cs typeface="Calibri"/>
+                <a:sym typeface="Calibri"/>
+              </a:rPr>
+              <a:t>date</a:t>
+            </a:r>
+            <a:endParaRPr sz="1200" dirty="0">
+              <a:solidFill>
+                <a:schemeClr val="dk1"/>
+              </a:solidFill>
+              <a:latin typeface="Calibri"/>
+              <a:ea typeface="Calibri"/>
+              <a:cs typeface="Calibri"/>
+              <a:sym typeface="Calibri"/>
+            </a:endParaRPr>
+          </a:p>
+          <a:p>
+            <a:endParaRPr sz="1200" dirty="0">
+              <a:solidFill>
+                <a:schemeClr val="dk1"/>
+              </a:solidFill>
+              <a:latin typeface="Calibri"/>
+              <a:ea typeface="Calibri"/>
+              <a:cs typeface="Calibri"/>
+              <a:sym typeface="Calibri"/>
+            </a:endParaRPr>
+          </a:p>
+          <a:p>
+            <a:endParaRPr sz="1200" dirty="0">
+              <a:solidFill>
+                <a:schemeClr val="dk1"/>
+              </a:solidFill>
+              <a:latin typeface="Calibri"/>
+              <a:ea typeface="Calibri"/>
+              <a:cs typeface="Calibri"/>
+              <a:sym typeface="Calibri"/>
+            </a:endParaRPr>
+          </a:p>
+          <a:p>
+            <a:endParaRPr sz="1200" dirty="0">
+              <a:solidFill>
+                <a:schemeClr val="dk1"/>
+              </a:solidFill>
+              <a:latin typeface="Calibri"/>
+              <a:ea typeface="Calibri"/>
+              <a:cs typeface="Calibri"/>
+              <a:sym typeface="Calibri"/>
+            </a:endParaRPr>
+          </a:p>
+        </p:txBody>
+      </p:sp>
+      <p:sp>
+        <p:nvSpPr>
+          <p:cNvPr id="61" name="Google Shape;148;p28">
+            <a:extLst>
+              <a:ext uri="{FF2B5EF4-FFF2-40B4-BE49-F238E27FC236}">
+                <a16:creationId xmlns:a16="http://schemas.microsoft.com/office/drawing/2014/main" id="{1374A8EA-FE93-417B-AD6A-9DA814B3049D}"/>
+              </a:ext>
+            </a:extLst>
+          </p:cNvPr>
+          <p:cNvSpPr/>
+          <p:nvPr/>
+        </p:nvSpPr>
+        <p:spPr>
+          <a:xfrm>
+            <a:off x="3700202" y="1096921"/>
+            <a:ext cx="1771861" cy="371400"/>
+          </a:xfrm>
+          <a:prstGeom prst="rect">
+            <a:avLst/>
+          </a:prstGeom>
+          <a:solidFill>
+            <a:schemeClr val="lt1"/>
+          </a:solidFill>
+          <a:ln w="25400" cap="flat" cmpd="sng">
+            <a:solidFill>
+              <a:schemeClr val="accent1"/>
+            </a:solidFill>
+            <a:prstDash val="solid"/>
+            <a:round/>
+            <a:headEnd type="none" w="sm" len="sm"/>
+            <a:tailEnd type="none" w="sm" len="sm"/>
+          </a:ln>
+        </p:spPr>
+        <p:txBody>
+          <a:bodyPr spcFirstLastPara="1" wrap="square" lIns="91425" tIns="45700" rIns="91425" bIns="45700" anchor="ctr" anchorCtr="0">
+            <a:noAutofit/>
+          </a:bodyPr>
+          <a:lstStyle/>
+          <a:p>
+            <a:pPr algn="ctr"/>
+            <a:r>
+              <a:rPr lang="es-419" dirty="0">
+                <a:solidFill>
+                  <a:schemeClr val="dk1"/>
+                </a:solidFill>
+                <a:latin typeface="Calibri"/>
+                <a:ea typeface="Calibri"/>
+                <a:cs typeface="Calibri"/>
+                <a:sym typeface="Calibri"/>
+              </a:rPr>
+              <a:t>Answer</a:t>
+            </a:r>
+            <a:endParaRPr dirty="0">
+              <a:solidFill>
+                <a:schemeClr val="dk1"/>
+              </a:solidFill>
+              <a:latin typeface="Calibri"/>
+              <a:ea typeface="Calibri"/>
+              <a:cs typeface="Calibri"/>
+              <a:sym typeface="Calibri"/>
+            </a:endParaRPr>
+          </a:p>
+        </p:txBody>
+      </p:sp>
+      <p:sp>
+        <p:nvSpPr>
+          <p:cNvPr id="63" name="Google Shape;163;p28">
+            <a:extLst>
+              <a:ext uri="{FF2B5EF4-FFF2-40B4-BE49-F238E27FC236}">
+                <a16:creationId xmlns:a16="http://schemas.microsoft.com/office/drawing/2014/main" id="{CF18414F-B3FB-426D-8FFD-449AA9448693}"/>
+              </a:ext>
+            </a:extLst>
+          </p:cNvPr>
+          <p:cNvSpPr txBox="1"/>
+          <p:nvPr/>
+        </p:nvSpPr>
+        <p:spPr>
+          <a:xfrm>
+            <a:off x="2486318" y="3493272"/>
+            <a:ext cx="513300" cy="276900"/>
+          </a:xfrm>
+          <a:prstGeom prst="rect">
+            <a:avLst/>
+          </a:prstGeom>
+          <a:noFill/>
+          <a:ln>
+            <a:noFill/>
+          </a:ln>
+        </p:spPr>
+        <p:txBody>
+          <a:bodyPr spcFirstLastPara="1" wrap="square" lIns="91425" tIns="45700" rIns="91425" bIns="45700" anchor="t" anchorCtr="0">
+            <a:noAutofit/>
+          </a:bodyPr>
+          <a:lstStyle/>
+          <a:p>
+            <a:r>
+              <a:rPr lang="es-419" sz="1600" dirty="0">
+                <a:solidFill>
+                  <a:schemeClr val="dk1"/>
+                </a:solidFill>
+                <a:latin typeface="Calibri"/>
+                <a:ea typeface="Calibri"/>
+                <a:cs typeface="Calibri"/>
+                <a:sym typeface="Calibri"/>
+              </a:rPr>
+              <a:t>0:N</a:t>
+            </a:r>
+            <a:endParaRPr sz="1600" dirty="0">
+              <a:solidFill>
+                <a:schemeClr val="dk1"/>
+              </a:solidFill>
+              <a:latin typeface="Calibri"/>
+              <a:ea typeface="Calibri"/>
+              <a:cs typeface="Calibri"/>
+              <a:sym typeface="Calibri"/>
+            </a:endParaRPr>
+          </a:p>
+        </p:txBody>
+      </p:sp>
+      <p:sp>
+        <p:nvSpPr>
+          <p:cNvPr id="69" name="Google Shape;150;p28">
+            <a:extLst>
+              <a:ext uri="{FF2B5EF4-FFF2-40B4-BE49-F238E27FC236}">
+                <a16:creationId xmlns:a16="http://schemas.microsoft.com/office/drawing/2014/main" id="{F34C8140-AF1C-491D-9B43-31116FE51494}"/>
+              </a:ext>
+            </a:extLst>
+          </p:cNvPr>
+          <p:cNvSpPr/>
+          <p:nvPr/>
+        </p:nvSpPr>
+        <p:spPr>
+          <a:xfrm>
+            <a:off x="10442141" y="1231938"/>
+            <a:ext cx="1068300" cy="394800"/>
+          </a:xfrm>
+          <a:prstGeom prst="rect">
+            <a:avLst/>
+          </a:prstGeom>
+          <a:solidFill>
+            <a:schemeClr val="lt1"/>
+          </a:solidFill>
+          <a:ln w="25400" cap="flat" cmpd="sng">
+            <a:solidFill>
+              <a:schemeClr val="accent1"/>
+            </a:solidFill>
+            <a:prstDash val="solid"/>
+            <a:round/>
+            <a:headEnd type="none" w="sm" len="sm"/>
+            <a:tailEnd type="none" w="sm" len="sm"/>
+          </a:ln>
+        </p:spPr>
+        <p:txBody>
+          <a:bodyPr spcFirstLastPara="1" wrap="square" lIns="91425" tIns="45700" rIns="91425" bIns="45700" anchor="ctr" anchorCtr="0">
+            <a:noAutofit/>
+          </a:bodyPr>
+          <a:lstStyle/>
+          <a:p>
+            <a:pPr algn="ctr"/>
+            <a:r>
+              <a:rPr lang="es-419" dirty="0">
+                <a:solidFill>
+                  <a:schemeClr val="dk1"/>
+                </a:solidFill>
+                <a:latin typeface="Calibri"/>
+                <a:ea typeface="Calibri"/>
+                <a:cs typeface="Calibri"/>
+                <a:sym typeface="Calibri"/>
+              </a:rPr>
+              <a:t>Product</a:t>
+            </a:r>
+            <a:endParaRPr dirty="0">
+              <a:solidFill>
+                <a:schemeClr val="dk1"/>
+              </a:solidFill>
+              <a:latin typeface="Calibri"/>
+              <a:ea typeface="Calibri"/>
+              <a:cs typeface="Calibri"/>
+              <a:sym typeface="Calibri"/>
+            </a:endParaRPr>
+          </a:p>
+        </p:txBody>
+      </p:sp>
+      <p:sp>
+        <p:nvSpPr>
+          <p:cNvPr id="70" name="Google Shape;150;p28">
+            <a:extLst>
+              <a:ext uri="{FF2B5EF4-FFF2-40B4-BE49-F238E27FC236}">
+                <a16:creationId xmlns:a16="http://schemas.microsoft.com/office/drawing/2014/main" id="{D8A78C6A-0B29-428E-B215-8C0AE23FFBD6}"/>
+              </a:ext>
+            </a:extLst>
+          </p:cNvPr>
+          <p:cNvSpPr/>
+          <p:nvPr/>
+        </p:nvSpPr>
+        <p:spPr>
+          <a:xfrm>
+            <a:off x="10435791" y="4478753"/>
+            <a:ext cx="1068300" cy="394800"/>
+          </a:xfrm>
+          <a:prstGeom prst="rect">
+            <a:avLst/>
+          </a:prstGeom>
+          <a:solidFill>
+            <a:schemeClr val="lt1"/>
+          </a:solidFill>
+          <a:ln w="25400" cap="flat" cmpd="sng">
+            <a:solidFill>
+              <a:schemeClr val="accent1"/>
+            </a:solidFill>
+            <a:prstDash val="solid"/>
+            <a:round/>
+            <a:headEnd type="none" w="sm" len="sm"/>
+            <a:tailEnd type="none" w="sm" len="sm"/>
+          </a:ln>
+        </p:spPr>
+        <p:txBody>
+          <a:bodyPr spcFirstLastPara="1" wrap="square" lIns="91425" tIns="45700" rIns="91425" bIns="45700" anchor="ctr" anchorCtr="0">
+            <a:noAutofit/>
+          </a:bodyPr>
+          <a:lstStyle/>
+          <a:p>
+            <a:pPr algn="ctr"/>
+            <a:r>
+              <a:rPr lang="es-419" dirty="0">
+                <a:solidFill>
+                  <a:schemeClr val="dk1"/>
+                </a:solidFill>
+                <a:latin typeface="Calibri"/>
+                <a:ea typeface="Calibri"/>
+                <a:cs typeface="Calibri"/>
+                <a:sym typeface="Calibri"/>
+              </a:rPr>
+              <a:t>Review</a:t>
+            </a:r>
+            <a:endParaRPr dirty="0">
+              <a:solidFill>
+                <a:schemeClr val="dk1"/>
+              </a:solidFill>
+              <a:latin typeface="Calibri"/>
+              <a:ea typeface="Calibri"/>
+              <a:cs typeface="Calibri"/>
+              <a:sym typeface="Calibri"/>
+            </a:endParaRPr>
+          </a:p>
+        </p:txBody>
+      </p:sp>
+      <p:sp>
+        <p:nvSpPr>
+          <p:cNvPr id="71" name="Google Shape;156;p28">
+            <a:extLst>
+              <a:ext uri="{FF2B5EF4-FFF2-40B4-BE49-F238E27FC236}">
+                <a16:creationId xmlns:a16="http://schemas.microsoft.com/office/drawing/2014/main" id="{5FF61028-37BE-4C1C-8AE3-80A606AE9B06}"/>
+              </a:ext>
+            </a:extLst>
+          </p:cNvPr>
+          <p:cNvSpPr/>
+          <p:nvPr/>
+        </p:nvSpPr>
+        <p:spPr>
+          <a:xfrm>
+            <a:off x="10687204" y="2848411"/>
+            <a:ext cx="597000" cy="394800"/>
+          </a:xfrm>
+          <a:prstGeom prst="diamond">
+            <a:avLst/>
+          </a:prstGeom>
+          <a:solidFill>
+            <a:schemeClr val="lt1"/>
+          </a:solidFill>
+          <a:ln w="25400" cap="flat" cmpd="sng">
+            <a:solidFill>
+              <a:schemeClr val="accent6"/>
+            </a:solidFill>
+            <a:prstDash val="solid"/>
+            <a:round/>
+            <a:headEnd type="none" w="sm" len="sm"/>
+            <a:tailEnd type="none" w="sm" len="sm"/>
+          </a:ln>
+        </p:spPr>
+        <p:txBody>
+          <a:bodyPr spcFirstLastPara="1" wrap="square" lIns="91425" tIns="45700" rIns="91425" bIns="45700" anchor="ctr" anchorCtr="0">
+            <a:noAutofit/>
+          </a:bodyPr>
+          <a:lstStyle/>
+          <a:p>
+            <a:pPr algn="ctr"/>
+            <a:endParaRPr>
+              <a:solidFill>
+                <a:schemeClr val="dk1"/>
+              </a:solidFill>
+              <a:latin typeface="Calibri"/>
+              <a:ea typeface="Calibri"/>
+              <a:cs typeface="Calibri"/>
+              <a:sym typeface="Calibri"/>
+            </a:endParaRPr>
+          </a:p>
+        </p:txBody>
+      </p:sp>
+      <p:cxnSp>
+        <p:nvCxnSpPr>
+          <p:cNvPr id="73" name="Google Shape;166;p28">
+            <a:extLst>
+              <a:ext uri="{FF2B5EF4-FFF2-40B4-BE49-F238E27FC236}">
+                <a16:creationId xmlns:a16="http://schemas.microsoft.com/office/drawing/2014/main" id="{3C7611B3-A262-4FB4-9574-D30987A9EEDE}"/>
+              </a:ext>
+            </a:extLst>
+          </p:cNvPr>
+          <p:cNvCxnSpPr>
+            <a:cxnSpLocks/>
+            <a:stCxn id="71" idx="0"/>
+            <a:endCxn id="69" idx="2"/>
+          </p:cNvCxnSpPr>
+          <p:nvPr/>
+        </p:nvCxnSpPr>
+        <p:spPr>
+          <a:xfrm rot="16200000" flipV="1">
+            <a:off x="10370162" y="2232868"/>
+            <a:ext cx="1221673" cy="9413"/>
+          </a:xfrm>
+          <a:prstGeom prst="bentConnector3">
+            <a:avLst>
+              <a:gd name="adj1" fmla="val 50000"/>
+            </a:avLst>
+          </a:prstGeom>
+          <a:noFill/>
+          <a:ln w="9525" cap="flat" cmpd="sng">
+            <a:solidFill>
+              <a:srgbClr val="3D85C6"/>
+            </a:solidFill>
+            <a:prstDash val="solid"/>
+            <a:round/>
+            <a:headEnd type="none" w="med" len="med"/>
+            <a:tailEnd type="none" w="med" len="med"/>
+          </a:ln>
+        </p:spPr>
+      </p:cxnSp>
+      <p:cxnSp>
+        <p:nvCxnSpPr>
+          <p:cNvPr id="75" name="Google Shape;166;p28">
+            <a:extLst>
+              <a:ext uri="{FF2B5EF4-FFF2-40B4-BE49-F238E27FC236}">
+                <a16:creationId xmlns:a16="http://schemas.microsoft.com/office/drawing/2014/main" id="{D7D650E6-4BC2-4390-8085-264C376BD145}"/>
+              </a:ext>
+            </a:extLst>
+          </p:cNvPr>
+          <p:cNvCxnSpPr>
+            <a:cxnSpLocks/>
+            <a:stCxn id="70" idx="0"/>
+            <a:endCxn id="71" idx="2"/>
+          </p:cNvCxnSpPr>
+          <p:nvPr/>
+        </p:nvCxnSpPr>
+        <p:spPr>
+          <a:xfrm rot="5400000" flipH="1" flipV="1">
+            <a:off x="10360051" y="3853101"/>
+            <a:ext cx="1235542" cy="15763"/>
+          </a:xfrm>
+          <a:prstGeom prst="bentConnector3">
+            <a:avLst>
+              <a:gd name="adj1" fmla="val 50000"/>
+            </a:avLst>
+          </a:prstGeom>
+          <a:noFill/>
+          <a:ln w="9525" cap="flat" cmpd="sng">
+            <a:solidFill>
+              <a:srgbClr val="3D85C6"/>
+            </a:solidFill>
+            <a:prstDash val="solid"/>
+            <a:round/>
+            <a:headEnd type="none" w="med" len="med"/>
+            <a:tailEnd type="none" w="med" len="med"/>
+          </a:ln>
+        </p:spPr>
+      </p:cxnSp>
+      <p:sp>
+        <p:nvSpPr>
+          <p:cNvPr id="76" name="Google Shape;154;p28">
+            <a:extLst>
+              <a:ext uri="{FF2B5EF4-FFF2-40B4-BE49-F238E27FC236}">
+                <a16:creationId xmlns:a16="http://schemas.microsoft.com/office/drawing/2014/main" id="{3D51572D-91C4-44B7-BBB2-F73377FD91FB}"/>
+              </a:ext>
+            </a:extLst>
+          </p:cNvPr>
+          <p:cNvSpPr txBox="1"/>
+          <p:nvPr/>
+        </p:nvSpPr>
+        <p:spPr>
+          <a:xfrm>
+            <a:off x="10991291" y="4196877"/>
+            <a:ext cx="567000" cy="231000"/>
+          </a:xfrm>
+          <a:prstGeom prst="rect">
+            <a:avLst/>
+          </a:prstGeom>
+          <a:noFill/>
+          <a:ln>
+            <a:noFill/>
+          </a:ln>
+        </p:spPr>
+        <p:txBody>
+          <a:bodyPr spcFirstLastPara="1" wrap="square" lIns="91425" tIns="45700" rIns="91425" bIns="45700" anchor="t" anchorCtr="0">
+            <a:noAutofit/>
+          </a:bodyPr>
+          <a:lstStyle/>
+          <a:p>
+            <a:r>
+              <a:rPr lang="es-419" sz="1400" dirty="0">
+                <a:solidFill>
+                  <a:schemeClr val="dk1"/>
+                </a:solidFill>
+                <a:latin typeface="Calibri"/>
+                <a:ea typeface="Calibri"/>
+                <a:cs typeface="Calibri"/>
+                <a:sym typeface="Calibri"/>
+              </a:rPr>
+              <a:t>1:1</a:t>
+            </a:r>
+            <a:endParaRPr sz="1400" dirty="0">
+              <a:solidFill>
+                <a:schemeClr val="dk1"/>
+              </a:solidFill>
+              <a:latin typeface="Calibri"/>
+              <a:ea typeface="Calibri"/>
+              <a:cs typeface="Calibri"/>
+              <a:sym typeface="Calibri"/>
+            </a:endParaRPr>
+          </a:p>
+        </p:txBody>
+      </p:sp>
+      <p:sp>
+        <p:nvSpPr>
+          <p:cNvPr id="77" name="Google Shape;154;p28">
+            <a:extLst>
+              <a:ext uri="{FF2B5EF4-FFF2-40B4-BE49-F238E27FC236}">
+                <a16:creationId xmlns:a16="http://schemas.microsoft.com/office/drawing/2014/main" id="{093EBDA8-6465-4985-9B1D-053515F847E3}"/>
+              </a:ext>
+            </a:extLst>
+          </p:cNvPr>
+          <p:cNvSpPr txBox="1"/>
+          <p:nvPr/>
+        </p:nvSpPr>
+        <p:spPr>
+          <a:xfrm>
+            <a:off x="10985704" y="1663746"/>
+            <a:ext cx="567000" cy="231000"/>
+          </a:xfrm>
+          <a:prstGeom prst="rect">
+            <a:avLst/>
+          </a:prstGeom>
+          <a:noFill/>
+          <a:ln>
+            <a:noFill/>
+          </a:ln>
+        </p:spPr>
+        <p:txBody>
+          <a:bodyPr spcFirstLastPara="1" wrap="square" lIns="91425" tIns="45700" rIns="91425" bIns="45700" anchor="t" anchorCtr="0">
+            <a:noAutofit/>
+          </a:bodyPr>
+          <a:lstStyle/>
+          <a:p>
+            <a:r>
+              <a:rPr lang="es-419" sz="1400" dirty="0">
+                <a:solidFill>
+                  <a:schemeClr val="dk1"/>
+                </a:solidFill>
+                <a:latin typeface="Calibri"/>
+                <a:ea typeface="Calibri"/>
+                <a:cs typeface="Calibri"/>
+                <a:sym typeface="Calibri"/>
+              </a:rPr>
+              <a:t>0:N</a:t>
+            </a:r>
+            <a:endParaRPr sz="1400" dirty="0">
+              <a:solidFill>
+                <a:schemeClr val="dk1"/>
+              </a:solidFill>
+              <a:latin typeface="Calibri"/>
+              <a:ea typeface="Calibri"/>
+              <a:cs typeface="Calibri"/>
+              <a:sym typeface="Calibri"/>
+            </a:endParaRPr>
+          </a:p>
+        </p:txBody>
+      </p:sp>
+      <p:sp>
+        <p:nvSpPr>
+          <p:cNvPr id="78" name="Google Shape;150;p28">
+            <a:extLst>
+              <a:ext uri="{FF2B5EF4-FFF2-40B4-BE49-F238E27FC236}">
+                <a16:creationId xmlns:a16="http://schemas.microsoft.com/office/drawing/2014/main" id="{EB788561-9155-40E0-9E67-D32A6136E0AF}"/>
+              </a:ext>
+            </a:extLst>
+          </p:cNvPr>
+          <p:cNvSpPr/>
+          <p:nvPr/>
+        </p:nvSpPr>
+        <p:spPr>
+          <a:xfrm>
+            <a:off x="6233649" y="3111701"/>
+            <a:ext cx="1538701" cy="394800"/>
+          </a:xfrm>
+          <a:prstGeom prst="rect">
+            <a:avLst/>
+          </a:prstGeom>
+          <a:solidFill>
+            <a:schemeClr val="lt1"/>
+          </a:solidFill>
+          <a:ln w="25400" cap="flat" cmpd="sng">
+            <a:solidFill>
+              <a:schemeClr val="accent1"/>
+            </a:solidFill>
+            <a:prstDash val="solid"/>
+            <a:round/>
+            <a:headEnd type="none" w="sm" len="sm"/>
+            <a:tailEnd type="none" w="sm" len="sm"/>
+          </a:ln>
+        </p:spPr>
+        <p:txBody>
+          <a:bodyPr spcFirstLastPara="1" wrap="square" lIns="91425" tIns="45700" rIns="91425" bIns="45700" anchor="ctr" anchorCtr="0">
+            <a:noAutofit/>
+          </a:bodyPr>
+          <a:lstStyle/>
+          <a:p>
+            <a:pPr algn="ctr"/>
+            <a:r>
+              <a:rPr lang="es-419" dirty="0">
+                <a:solidFill>
+                  <a:schemeClr val="dk1"/>
+                </a:solidFill>
+                <a:latin typeface="Calibri"/>
+                <a:ea typeface="Calibri"/>
+                <a:cs typeface="Calibri"/>
+                <a:sym typeface="Calibri"/>
+              </a:rPr>
+              <a:t>Questionnaire</a:t>
+            </a:r>
+            <a:endParaRPr dirty="0">
+              <a:solidFill>
+                <a:schemeClr val="dk1"/>
+              </a:solidFill>
+              <a:latin typeface="Calibri"/>
+              <a:ea typeface="Calibri"/>
+              <a:cs typeface="Calibri"/>
+              <a:sym typeface="Calibri"/>
+            </a:endParaRPr>
+          </a:p>
+        </p:txBody>
+      </p:sp>
+      <p:sp>
+        <p:nvSpPr>
+          <p:cNvPr id="80" name="Google Shape;150;p28">
+            <a:extLst>
+              <a:ext uri="{FF2B5EF4-FFF2-40B4-BE49-F238E27FC236}">
+                <a16:creationId xmlns:a16="http://schemas.microsoft.com/office/drawing/2014/main" id="{1900C191-7467-40C1-AEBD-2CCC1D622A60}"/>
+              </a:ext>
+            </a:extLst>
+          </p:cNvPr>
+          <p:cNvSpPr/>
+          <p:nvPr/>
+        </p:nvSpPr>
+        <p:spPr>
+          <a:xfrm>
+            <a:off x="7717566" y="347206"/>
+            <a:ext cx="1538701" cy="394800"/>
+          </a:xfrm>
+          <a:prstGeom prst="rect">
+            <a:avLst/>
+          </a:prstGeom>
+          <a:solidFill>
+            <a:schemeClr val="lt1"/>
+          </a:solidFill>
+          <a:ln w="25400" cap="flat" cmpd="sng">
+            <a:solidFill>
+              <a:schemeClr val="accent1"/>
+            </a:solidFill>
+            <a:prstDash val="solid"/>
+            <a:round/>
+            <a:headEnd type="none" w="sm" len="sm"/>
+            <a:tailEnd type="none" w="sm" len="sm"/>
+          </a:ln>
+        </p:spPr>
+        <p:txBody>
+          <a:bodyPr spcFirstLastPara="1" wrap="square" lIns="91425" tIns="45700" rIns="91425" bIns="45700" anchor="ctr" anchorCtr="0">
+            <a:noAutofit/>
+          </a:bodyPr>
+          <a:lstStyle/>
+          <a:p>
+            <a:pPr algn="ctr"/>
+            <a:r>
+              <a:rPr lang="es-419" dirty="0">
+                <a:solidFill>
+                  <a:schemeClr val="dk1"/>
+                </a:solidFill>
+                <a:latin typeface="Calibri"/>
+                <a:ea typeface="Calibri"/>
+                <a:cs typeface="Calibri"/>
+                <a:sym typeface="Calibri"/>
+              </a:rPr>
+              <a:t>Question</a:t>
+            </a:r>
+            <a:endParaRPr dirty="0">
+              <a:solidFill>
+                <a:schemeClr val="dk1"/>
+              </a:solidFill>
+              <a:latin typeface="Calibri"/>
+              <a:ea typeface="Calibri"/>
+              <a:cs typeface="Calibri"/>
+              <a:sym typeface="Calibri"/>
+            </a:endParaRPr>
+          </a:p>
+        </p:txBody>
+      </p:sp>
+      <p:cxnSp>
+        <p:nvCxnSpPr>
+          <p:cNvPr id="83" name="Google Shape;166;p28">
+            <a:extLst>
+              <a:ext uri="{FF2B5EF4-FFF2-40B4-BE49-F238E27FC236}">
+                <a16:creationId xmlns:a16="http://schemas.microsoft.com/office/drawing/2014/main" id="{52E5B6AC-1717-43B1-8A55-825D78D35244}"/>
+              </a:ext>
+            </a:extLst>
+          </p:cNvPr>
+          <p:cNvCxnSpPr>
+            <a:cxnSpLocks/>
+            <a:stCxn id="80" idx="2"/>
+            <a:endCxn id="130" idx="0"/>
+          </p:cNvCxnSpPr>
+          <p:nvPr/>
+        </p:nvCxnSpPr>
+        <p:spPr>
+          <a:xfrm rot="16200000" flipH="1">
+            <a:off x="8112298" y="1116625"/>
+            <a:ext cx="755589" cy="6350"/>
+          </a:xfrm>
+          <a:prstGeom prst="bentConnector3">
+            <a:avLst>
+              <a:gd name="adj1" fmla="val 50000"/>
+            </a:avLst>
+          </a:prstGeom>
+          <a:noFill/>
+          <a:ln w="9525" cap="flat" cmpd="sng">
+            <a:solidFill>
+              <a:srgbClr val="3D85C6"/>
+            </a:solidFill>
+            <a:prstDash val="solid"/>
+            <a:round/>
+            <a:headEnd type="none" w="med" len="med"/>
+            <a:tailEnd type="none" w="med" len="med"/>
+          </a:ln>
+        </p:spPr>
+      </p:cxnSp>
+      <p:sp>
+        <p:nvSpPr>
+          <p:cNvPr id="86" name="Google Shape;150;p28">
+            <a:extLst>
+              <a:ext uri="{FF2B5EF4-FFF2-40B4-BE49-F238E27FC236}">
+                <a16:creationId xmlns:a16="http://schemas.microsoft.com/office/drawing/2014/main" id="{0DB5AD5C-CDE3-45F1-BEAA-1CB8C8CD8EBF}"/>
+              </a:ext>
+            </a:extLst>
+          </p:cNvPr>
+          <p:cNvSpPr/>
+          <p:nvPr/>
+        </p:nvSpPr>
+        <p:spPr>
+          <a:xfrm>
+            <a:off x="9813141" y="6354695"/>
+            <a:ext cx="1748126" cy="394800"/>
+          </a:xfrm>
+          <a:prstGeom prst="rect">
+            <a:avLst/>
+          </a:prstGeom>
+          <a:solidFill>
+            <a:schemeClr val="lt1"/>
+          </a:solidFill>
+          <a:ln w="25400" cap="flat" cmpd="sng">
+            <a:solidFill>
+              <a:schemeClr val="accent1"/>
+            </a:solidFill>
+            <a:prstDash val="solid"/>
+            <a:round/>
+            <a:headEnd type="none" w="sm" len="sm"/>
+            <a:tailEnd type="none" w="sm" len="sm"/>
+          </a:ln>
+        </p:spPr>
+        <p:txBody>
+          <a:bodyPr spcFirstLastPara="1" wrap="square" lIns="91425" tIns="45700" rIns="91425" bIns="45700" anchor="ctr" anchorCtr="0">
+            <a:noAutofit/>
+          </a:bodyPr>
+          <a:lstStyle/>
+          <a:p>
+            <a:pPr algn="ctr"/>
+            <a:r>
+              <a:rPr lang="es-419" dirty="0">
+                <a:solidFill>
+                  <a:schemeClr val="dk1"/>
+                </a:solidFill>
+                <a:latin typeface="Calibri"/>
+                <a:ea typeface="Calibri"/>
+                <a:cs typeface="Calibri"/>
+                <a:sym typeface="Calibri"/>
+              </a:rPr>
+              <a:t>OffensiveWords</a:t>
+            </a:r>
+            <a:endParaRPr dirty="0">
+              <a:solidFill>
+                <a:schemeClr val="dk1"/>
+              </a:solidFill>
+              <a:latin typeface="Calibri"/>
+              <a:ea typeface="Calibri"/>
+              <a:cs typeface="Calibri"/>
+              <a:sym typeface="Calibri"/>
+            </a:endParaRPr>
+          </a:p>
+        </p:txBody>
+      </p:sp>
+      <p:sp>
+        <p:nvSpPr>
+          <p:cNvPr id="91" name="Google Shape;150;p28">
+            <a:extLst>
+              <a:ext uri="{FF2B5EF4-FFF2-40B4-BE49-F238E27FC236}">
+                <a16:creationId xmlns:a16="http://schemas.microsoft.com/office/drawing/2014/main" id="{753A520A-DD93-4CAF-84E0-609D9DE6C86B}"/>
+              </a:ext>
+            </a:extLst>
+          </p:cNvPr>
+          <p:cNvSpPr/>
+          <p:nvPr/>
+        </p:nvSpPr>
+        <p:spPr>
+          <a:xfrm>
+            <a:off x="3996799" y="5506986"/>
+            <a:ext cx="1165969" cy="394800"/>
+          </a:xfrm>
+          <a:prstGeom prst="rect">
+            <a:avLst/>
+          </a:prstGeom>
+          <a:solidFill>
+            <a:schemeClr val="lt1"/>
+          </a:solidFill>
+          <a:ln w="25400" cap="flat" cmpd="sng">
+            <a:solidFill>
+              <a:schemeClr val="accent1"/>
+            </a:solidFill>
+            <a:prstDash val="solid"/>
+            <a:round/>
+            <a:headEnd type="none" w="sm" len="sm"/>
+            <a:tailEnd type="none" w="sm" len="sm"/>
+          </a:ln>
+        </p:spPr>
+        <p:txBody>
+          <a:bodyPr spcFirstLastPara="1" wrap="square" lIns="91425" tIns="45700" rIns="91425" bIns="45700" anchor="ctr" anchorCtr="0">
+            <a:noAutofit/>
+          </a:bodyPr>
+          <a:lstStyle/>
+          <a:p>
+            <a:pPr algn="ctr"/>
+            <a:r>
+              <a:rPr lang="es-419" dirty="0">
+                <a:solidFill>
+                  <a:schemeClr val="dk1"/>
+                </a:solidFill>
+                <a:latin typeface="Calibri"/>
+                <a:ea typeface="Calibri"/>
+                <a:cs typeface="Calibri"/>
+                <a:sym typeface="Calibri"/>
+              </a:rPr>
+              <a:t>FilledForm</a:t>
+            </a:r>
+          </a:p>
+        </p:txBody>
+      </p:sp>
+      <p:cxnSp>
+        <p:nvCxnSpPr>
+          <p:cNvPr id="92" name="Google Shape;166;p28">
+            <a:extLst>
+              <a:ext uri="{FF2B5EF4-FFF2-40B4-BE49-F238E27FC236}">
+                <a16:creationId xmlns:a16="http://schemas.microsoft.com/office/drawing/2014/main" id="{0FAC71B6-0F30-43ED-9871-CBF512CE7207}"/>
+              </a:ext>
+            </a:extLst>
+          </p:cNvPr>
+          <p:cNvCxnSpPr>
+            <a:cxnSpLocks/>
+            <a:stCxn id="100" idx="0"/>
+            <a:endCxn id="53" idx="2"/>
+          </p:cNvCxnSpPr>
+          <p:nvPr/>
+        </p:nvCxnSpPr>
+        <p:spPr>
+          <a:xfrm rot="16200000" flipV="1">
+            <a:off x="1949308" y="4060680"/>
+            <a:ext cx="1162927" cy="6350"/>
+          </a:xfrm>
+          <a:prstGeom prst="bentConnector3">
+            <a:avLst>
+              <a:gd name="adj1" fmla="val 50000"/>
+            </a:avLst>
+          </a:prstGeom>
+          <a:noFill/>
+          <a:ln w="9525" cap="flat" cmpd="sng">
+            <a:solidFill>
+              <a:srgbClr val="3D85C6"/>
+            </a:solidFill>
+            <a:prstDash val="solid"/>
+            <a:round/>
+            <a:headEnd type="none" w="med" len="med"/>
+            <a:tailEnd type="none" w="med" len="med"/>
+          </a:ln>
+        </p:spPr>
+      </p:cxnSp>
+      <p:cxnSp>
+        <p:nvCxnSpPr>
+          <p:cNvPr id="95" name="Google Shape;166;p28">
+            <a:extLst>
+              <a:ext uri="{FF2B5EF4-FFF2-40B4-BE49-F238E27FC236}">
+                <a16:creationId xmlns:a16="http://schemas.microsoft.com/office/drawing/2014/main" id="{53235CB5-DD4C-459D-A9FD-070F85028618}"/>
+              </a:ext>
+            </a:extLst>
+          </p:cNvPr>
+          <p:cNvCxnSpPr>
+            <a:cxnSpLocks/>
+            <a:stCxn id="111" idx="0"/>
+            <a:endCxn id="78" idx="2"/>
+          </p:cNvCxnSpPr>
+          <p:nvPr/>
+        </p:nvCxnSpPr>
+        <p:spPr>
+          <a:xfrm rot="16200000" flipV="1">
+            <a:off x="6267000" y="4242502"/>
+            <a:ext cx="1472047" cy="46"/>
+          </a:xfrm>
+          <a:prstGeom prst="bentConnector3">
+            <a:avLst>
+              <a:gd name="adj1" fmla="val 50000"/>
+            </a:avLst>
+          </a:prstGeom>
+          <a:noFill/>
+          <a:ln w="9525" cap="flat" cmpd="sng">
+            <a:solidFill>
+              <a:srgbClr val="3D85C6"/>
+            </a:solidFill>
+            <a:prstDash val="solid"/>
+            <a:round/>
+            <a:headEnd type="none" w="med" len="med"/>
+            <a:tailEnd type="none" w="med" len="med"/>
+          </a:ln>
+        </p:spPr>
+      </p:cxnSp>
+      <p:sp>
+        <p:nvSpPr>
+          <p:cNvPr id="100" name="Google Shape;156;p28">
+            <a:extLst>
+              <a:ext uri="{FF2B5EF4-FFF2-40B4-BE49-F238E27FC236}">
+                <a16:creationId xmlns:a16="http://schemas.microsoft.com/office/drawing/2014/main" id="{A4850B79-1BF5-4CEF-90E0-551F6BEBD16D}"/>
+              </a:ext>
+            </a:extLst>
+          </p:cNvPr>
+          <p:cNvSpPr/>
+          <p:nvPr/>
+        </p:nvSpPr>
+        <p:spPr>
+          <a:xfrm>
+            <a:off x="2235446" y="4645318"/>
+            <a:ext cx="597000" cy="394800"/>
+          </a:xfrm>
+          <a:prstGeom prst="diamond">
+            <a:avLst/>
+          </a:prstGeom>
+          <a:solidFill>
+            <a:schemeClr val="lt1"/>
+          </a:solidFill>
+          <a:ln w="25400" cap="flat" cmpd="sng">
+            <a:solidFill>
+              <a:schemeClr val="accent6"/>
+            </a:solidFill>
+            <a:prstDash val="solid"/>
+            <a:round/>
+            <a:headEnd type="none" w="sm" len="sm"/>
+            <a:tailEnd type="none" w="sm" len="sm"/>
+          </a:ln>
+        </p:spPr>
+        <p:txBody>
+          <a:bodyPr spcFirstLastPara="1" wrap="square" lIns="91425" tIns="45700" rIns="91425" bIns="45700" anchor="ctr" anchorCtr="0">
+            <a:noAutofit/>
+          </a:bodyPr>
+          <a:lstStyle/>
+          <a:p>
+            <a:pPr algn="ctr"/>
+            <a:endParaRPr>
+              <a:solidFill>
+                <a:schemeClr val="dk1"/>
+              </a:solidFill>
+              <a:latin typeface="Calibri"/>
+              <a:ea typeface="Calibri"/>
+              <a:cs typeface="Calibri"/>
+              <a:sym typeface="Calibri"/>
+            </a:endParaRPr>
+          </a:p>
+        </p:txBody>
+      </p:sp>
+      <p:cxnSp>
+        <p:nvCxnSpPr>
+          <p:cNvPr id="103" name="Google Shape;166;p28">
+            <a:extLst>
+              <a:ext uri="{FF2B5EF4-FFF2-40B4-BE49-F238E27FC236}">
+                <a16:creationId xmlns:a16="http://schemas.microsoft.com/office/drawing/2014/main" id="{CE7C9777-19CD-4C70-93BA-C8DEFA3D2BD9}"/>
+              </a:ext>
+            </a:extLst>
+          </p:cNvPr>
+          <p:cNvCxnSpPr>
+            <a:cxnSpLocks/>
+            <a:stCxn id="100" idx="2"/>
+            <a:endCxn id="91" idx="1"/>
+          </p:cNvCxnSpPr>
+          <p:nvPr/>
+        </p:nvCxnSpPr>
+        <p:spPr>
+          <a:xfrm rot="16200000" flipH="1">
+            <a:off x="2933238" y="4640825"/>
+            <a:ext cx="664268" cy="1462853"/>
+          </a:xfrm>
+          <a:prstGeom prst="bentConnector2">
+            <a:avLst/>
+          </a:prstGeom>
+          <a:noFill/>
+          <a:ln w="9525" cap="flat" cmpd="sng">
+            <a:solidFill>
+              <a:srgbClr val="3D85C6"/>
+            </a:solidFill>
+            <a:prstDash val="solid"/>
+            <a:round/>
+            <a:headEnd type="none" w="med" len="med"/>
+            <a:tailEnd type="none" w="med" len="med"/>
+          </a:ln>
+        </p:spPr>
+      </p:cxnSp>
+      <p:sp>
+        <p:nvSpPr>
+          <p:cNvPr id="106" name="Google Shape;163;p28">
+            <a:extLst>
+              <a:ext uri="{FF2B5EF4-FFF2-40B4-BE49-F238E27FC236}">
+                <a16:creationId xmlns:a16="http://schemas.microsoft.com/office/drawing/2014/main" id="{50DAA385-73EC-42F5-8B2D-642952C519F6}"/>
+              </a:ext>
+            </a:extLst>
+          </p:cNvPr>
+          <p:cNvSpPr txBox="1"/>
+          <p:nvPr/>
+        </p:nvSpPr>
+        <p:spPr>
+          <a:xfrm>
+            <a:off x="3591102" y="5657472"/>
+            <a:ext cx="513300" cy="276900"/>
+          </a:xfrm>
+          <a:prstGeom prst="rect">
+            <a:avLst/>
+          </a:prstGeom>
+          <a:noFill/>
+          <a:ln>
+            <a:noFill/>
+          </a:ln>
+        </p:spPr>
+        <p:txBody>
+          <a:bodyPr spcFirstLastPara="1" wrap="square" lIns="91425" tIns="45700" rIns="91425" bIns="45700" anchor="t" anchorCtr="0">
+            <a:noAutofit/>
+          </a:bodyPr>
+          <a:lstStyle/>
+          <a:p>
+            <a:r>
+              <a:rPr lang="es-419" sz="1600" dirty="0">
+                <a:solidFill>
+                  <a:schemeClr val="dk1"/>
+                </a:solidFill>
+                <a:latin typeface="Calibri"/>
+                <a:ea typeface="Calibri"/>
+                <a:cs typeface="Calibri"/>
+                <a:sym typeface="Calibri"/>
+              </a:rPr>
+              <a:t>1:1</a:t>
+            </a:r>
+            <a:endParaRPr sz="1600" dirty="0">
+              <a:solidFill>
+                <a:schemeClr val="dk1"/>
+              </a:solidFill>
+              <a:latin typeface="Calibri"/>
+              <a:ea typeface="Calibri"/>
+              <a:cs typeface="Calibri"/>
+              <a:sym typeface="Calibri"/>
+            </a:endParaRPr>
+          </a:p>
+        </p:txBody>
+      </p:sp>
+      <p:sp>
+        <p:nvSpPr>
+          <p:cNvPr id="110" name="Google Shape;163;p28">
+            <a:extLst>
+              <a:ext uri="{FF2B5EF4-FFF2-40B4-BE49-F238E27FC236}">
+                <a16:creationId xmlns:a16="http://schemas.microsoft.com/office/drawing/2014/main" id="{BF3C8B19-507E-46B4-B76E-91CC9EDEACF1}"/>
+              </a:ext>
+            </a:extLst>
+          </p:cNvPr>
+          <p:cNvSpPr txBox="1"/>
+          <p:nvPr/>
+        </p:nvSpPr>
+        <p:spPr>
+          <a:xfrm>
+            <a:off x="5092479" y="5685972"/>
+            <a:ext cx="513300" cy="276900"/>
+          </a:xfrm>
+          <a:prstGeom prst="rect">
+            <a:avLst/>
+          </a:prstGeom>
+          <a:noFill/>
+          <a:ln>
+            <a:noFill/>
+          </a:ln>
+        </p:spPr>
+        <p:txBody>
+          <a:bodyPr spcFirstLastPara="1" wrap="square" lIns="91425" tIns="45700" rIns="91425" bIns="45700" anchor="t" anchorCtr="0">
+            <a:noAutofit/>
+          </a:bodyPr>
+          <a:lstStyle/>
+          <a:p>
+            <a:r>
+              <a:rPr lang="es-419" sz="1600" dirty="0">
+                <a:solidFill>
+                  <a:schemeClr val="dk1"/>
+                </a:solidFill>
+                <a:latin typeface="Calibri"/>
+                <a:ea typeface="Calibri"/>
+                <a:cs typeface="Calibri"/>
+                <a:sym typeface="Calibri"/>
+              </a:rPr>
+              <a:t>1:1</a:t>
+            </a:r>
+            <a:endParaRPr sz="1600" dirty="0">
+              <a:solidFill>
+                <a:schemeClr val="dk1"/>
+              </a:solidFill>
+              <a:latin typeface="Calibri"/>
+              <a:ea typeface="Calibri"/>
+              <a:cs typeface="Calibri"/>
+              <a:sym typeface="Calibri"/>
+            </a:endParaRPr>
+          </a:p>
+        </p:txBody>
+      </p:sp>
+      <p:sp>
+        <p:nvSpPr>
+          <p:cNvPr id="111" name="Google Shape;156;p28">
+            <a:extLst>
+              <a:ext uri="{FF2B5EF4-FFF2-40B4-BE49-F238E27FC236}">
+                <a16:creationId xmlns:a16="http://schemas.microsoft.com/office/drawing/2014/main" id="{17E76E0E-E582-4C5C-8262-EACBDD2352B9}"/>
+              </a:ext>
+            </a:extLst>
+          </p:cNvPr>
+          <p:cNvSpPr/>
+          <p:nvPr/>
+        </p:nvSpPr>
+        <p:spPr>
+          <a:xfrm>
+            <a:off x="6704546" y="4978548"/>
+            <a:ext cx="597000" cy="394800"/>
+          </a:xfrm>
+          <a:prstGeom prst="diamond">
+            <a:avLst/>
+          </a:prstGeom>
+          <a:solidFill>
+            <a:schemeClr val="lt1"/>
+          </a:solidFill>
+          <a:ln w="25400" cap="flat" cmpd="sng">
+            <a:solidFill>
+              <a:schemeClr val="accent6"/>
+            </a:solidFill>
+            <a:prstDash val="solid"/>
+            <a:round/>
+            <a:headEnd type="none" w="sm" len="sm"/>
+            <a:tailEnd type="none" w="sm" len="sm"/>
+          </a:ln>
+        </p:spPr>
+        <p:txBody>
+          <a:bodyPr spcFirstLastPara="1" wrap="square" lIns="91425" tIns="45700" rIns="91425" bIns="45700" anchor="ctr" anchorCtr="0">
+            <a:noAutofit/>
+          </a:bodyPr>
+          <a:lstStyle/>
+          <a:p>
+            <a:pPr algn="ctr"/>
+            <a:endParaRPr>
+              <a:solidFill>
+                <a:schemeClr val="dk1"/>
+              </a:solidFill>
+              <a:latin typeface="Calibri"/>
+              <a:ea typeface="Calibri"/>
+              <a:cs typeface="Calibri"/>
+              <a:sym typeface="Calibri"/>
+            </a:endParaRPr>
+          </a:p>
+        </p:txBody>
+      </p:sp>
+      <p:cxnSp>
+        <p:nvCxnSpPr>
+          <p:cNvPr id="112" name="Google Shape;166;p28">
+            <a:extLst>
+              <a:ext uri="{FF2B5EF4-FFF2-40B4-BE49-F238E27FC236}">
+                <a16:creationId xmlns:a16="http://schemas.microsoft.com/office/drawing/2014/main" id="{4E67B3E0-1CF4-4602-8A1B-084E324A7698}"/>
+              </a:ext>
+            </a:extLst>
+          </p:cNvPr>
+          <p:cNvCxnSpPr>
+            <a:cxnSpLocks/>
+            <a:stCxn id="111" idx="2"/>
+            <a:endCxn id="91" idx="3"/>
+          </p:cNvCxnSpPr>
+          <p:nvPr/>
+        </p:nvCxnSpPr>
+        <p:spPr>
+          <a:xfrm rot="5400000">
+            <a:off x="5917388" y="4618728"/>
+            <a:ext cx="331038" cy="1840278"/>
+          </a:xfrm>
+          <a:prstGeom prst="bentConnector2">
+            <a:avLst/>
+          </a:prstGeom>
+          <a:noFill/>
+          <a:ln w="9525" cap="flat" cmpd="sng">
+            <a:solidFill>
+              <a:srgbClr val="3D85C6"/>
+            </a:solidFill>
+            <a:prstDash val="solid"/>
+            <a:round/>
+            <a:headEnd type="none" w="med" len="med"/>
+            <a:tailEnd type="none" w="med" len="med"/>
+          </a:ln>
+        </p:spPr>
+      </p:cxnSp>
+      <p:sp>
+        <p:nvSpPr>
+          <p:cNvPr id="115" name="Google Shape;163;p28">
+            <a:extLst>
+              <a:ext uri="{FF2B5EF4-FFF2-40B4-BE49-F238E27FC236}">
+                <a16:creationId xmlns:a16="http://schemas.microsoft.com/office/drawing/2014/main" id="{D5E0FA3E-3B9E-4A49-989E-CD982A8CF2C4}"/>
+              </a:ext>
+            </a:extLst>
+          </p:cNvPr>
+          <p:cNvSpPr txBox="1"/>
+          <p:nvPr/>
+        </p:nvSpPr>
+        <p:spPr>
+          <a:xfrm>
+            <a:off x="6969736" y="3468317"/>
+            <a:ext cx="513300" cy="276900"/>
+          </a:xfrm>
+          <a:prstGeom prst="rect">
+            <a:avLst/>
+          </a:prstGeom>
+          <a:noFill/>
+          <a:ln>
+            <a:noFill/>
+          </a:ln>
+        </p:spPr>
+        <p:txBody>
+          <a:bodyPr spcFirstLastPara="1" wrap="square" lIns="91425" tIns="45700" rIns="91425" bIns="45700" anchor="t" anchorCtr="0">
+            <a:noAutofit/>
+          </a:bodyPr>
+          <a:lstStyle/>
+          <a:p>
+            <a:r>
+              <a:rPr lang="es-419" sz="1600" dirty="0">
+                <a:solidFill>
+                  <a:schemeClr val="dk1"/>
+                </a:solidFill>
+                <a:latin typeface="Calibri"/>
+                <a:ea typeface="Calibri"/>
+                <a:cs typeface="Calibri"/>
+                <a:sym typeface="Calibri"/>
+              </a:rPr>
+              <a:t>0:N</a:t>
+            </a:r>
+            <a:endParaRPr sz="1600" dirty="0">
+              <a:solidFill>
+                <a:schemeClr val="dk1"/>
+              </a:solidFill>
+              <a:latin typeface="Calibri"/>
+              <a:ea typeface="Calibri"/>
+              <a:cs typeface="Calibri"/>
+              <a:sym typeface="Calibri"/>
+            </a:endParaRPr>
+          </a:p>
+        </p:txBody>
+      </p:sp>
+      <p:sp>
+        <p:nvSpPr>
+          <p:cNvPr id="117" name="Google Shape;163;p28">
+            <a:extLst>
+              <a:ext uri="{FF2B5EF4-FFF2-40B4-BE49-F238E27FC236}">
+                <a16:creationId xmlns:a16="http://schemas.microsoft.com/office/drawing/2014/main" id="{DC595CDF-03FA-486C-B41B-11958D233AB4}"/>
+              </a:ext>
+            </a:extLst>
+          </p:cNvPr>
+          <p:cNvSpPr txBox="1"/>
+          <p:nvPr/>
+        </p:nvSpPr>
+        <p:spPr>
+          <a:xfrm>
+            <a:off x="6940964" y="2755334"/>
+            <a:ext cx="513300" cy="276900"/>
+          </a:xfrm>
+          <a:prstGeom prst="rect">
+            <a:avLst/>
+          </a:prstGeom>
+          <a:noFill/>
+          <a:ln>
+            <a:noFill/>
+          </a:ln>
+        </p:spPr>
+        <p:txBody>
+          <a:bodyPr spcFirstLastPara="1" wrap="square" lIns="91425" tIns="45700" rIns="91425" bIns="45700" anchor="t" anchorCtr="0">
+            <a:noAutofit/>
+          </a:bodyPr>
+          <a:lstStyle/>
+          <a:p>
+            <a:r>
+              <a:rPr lang="es-419" sz="1600" dirty="0">
+                <a:solidFill>
+                  <a:schemeClr val="dk1"/>
+                </a:solidFill>
+                <a:latin typeface="Calibri"/>
+                <a:ea typeface="Calibri"/>
+                <a:cs typeface="Calibri"/>
+                <a:sym typeface="Calibri"/>
+              </a:rPr>
+              <a:t>0:N</a:t>
+            </a:r>
+            <a:endParaRPr sz="1600" dirty="0">
+              <a:solidFill>
+                <a:schemeClr val="dk1"/>
+              </a:solidFill>
+              <a:latin typeface="Calibri"/>
+              <a:ea typeface="Calibri"/>
+              <a:cs typeface="Calibri"/>
+              <a:sym typeface="Calibri"/>
+            </a:endParaRPr>
+          </a:p>
+        </p:txBody>
+      </p:sp>
+      <p:sp>
+        <p:nvSpPr>
+          <p:cNvPr id="118" name="Google Shape;156;p28">
+            <a:extLst>
+              <a:ext uri="{FF2B5EF4-FFF2-40B4-BE49-F238E27FC236}">
+                <a16:creationId xmlns:a16="http://schemas.microsoft.com/office/drawing/2014/main" id="{FB457A01-A212-460A-A99A-5628D88517B4}"/>
+              </a:ext>
+            </a:extLst>
+          </p:cNvPr>
+          <p:cNvSpPr/>
+          <p:nvPr/>
+        </p:nvSpPr>
+        <p:spPr>
+          <a:xfrm>
+            <a:off x="8858832" y="3111701"/>
+            <a:ext cx="597000" cy="394800"/>
+          </a:xfrm>
+          <a:prstGeom prst="diamond">
+            <a:avLst/>
+          </a:prstGeom>
+          <a:solidFill>
+            <a:schemeClr val="lt1"/>
+          </a:solidFill>
+          <a:ln w="25400" cap="flat" cmpd="sng">
+            <a:solidFill>
+              <a:schemeClr val="accent6"/>
+            </a:solidFill>
+            <a:prstDash val="solid"/>
+            <a:round/>
+            <a:headEnd type="none" w="sm" len="sm"/>
+            <a:tailEnd type="none" w="sm" len="sm"/>
+          </a:ln>
+        </p:spPr>
+        <p:txBody>
+          <a:bodyPr spcFirstLastPara="1" wrap="square" lIns="91425" tIns="45700" rIns="91425" bIns="45700" anchor="ctr" anchorCtr="0">
+            <a:noAutofit/>
+          </a:bodyPr>
+          <a:lstStyle/>
+          <a:p>
+            <a:pPr algn="ctr"/>
+            <a:endParaRPr>
+              <a:solidFill>
+                <a:schemeClr val="dk1"/>
+              </a:solidFill>
+              <a:latin typeface="Calibri"/>
+              <a:ea typeface="Calibri"/>
+              <a:cs typeface="Calibri"/>
+              <a:sym typeface="Calibri"/>
+            </a:endParaRPr>
+          </a:p>
+        </p:txBody>
+      </p:sp>
+      <p:cxnSp>
+        <p:nvCxnSpPr>
+          <p:cNvPr id="119" name="Google Shape;166;p28">
+            <a:extLst>
+              <a:ext uri="{FF2B5EF4-FFF2-40B4-BE49-F238E27FC236}">
+                <a16:creationId xmlns:a16="http://schemas.microsoft.com/office/drawing/2014/main" id="{4871C548-2E44-4785-8807-6694972B2404}"/>
+              </a:ext>
+            </a:extLst>
+          </p:cNvPr>
+          <p:cNvCxnSpPr>
+            <a:cxnSpLocks/>
+            <a:stCxn id="118" idx="1"/>
+            <a:endCxn id="78" idx="3"/>
+          </p:cNvCxnSpPr>
+          <p:nvPr/>
+        </p:nvCxnSpPr>
+        <p:spPr>
+          <a:xfrm rot="10800000">
+            <a:off x="7772350" y="3309101"/>
+            <a:ext cx="1086482" cy="12700"/>
+          </a:xfrm>
+          <a:prstGeom prst="bentConnector3">
+            <a:avLst>
+              <a:gd name="adj1" fmla="val 50000"/>
+            </a:avLst>
+          </a:prstGeom>
+          <a:noFill/>
+          <a:ln w="9525" cap="flat" cmpd="sng">
+            <a:solidFill>
+              <a:srgbClr val="3D85C6"/>
+            </a:solidFill>
+            <a:prstDash val="solid"/>
+            <a:round/>
+            <a:headEnd type="none" w="med" len="med"/>
+            <a:tailEnd type="none" w="med" len="med"/>
+          </a:ln>
+        </p:spPr>
+      </p:cxnSp>
+      <p:cxnSp>
+        <p:nvCxnSpPr>
+          <p:cNvPr id="122" name="Google Shape;166;p28">
+            <a:extLst>
+              <a:ext uri="{FF2B5EF4-FFF2-40B4-BE49-F238E27FC236}">
+                <a16:creationId xmlns:a16="http://schemas.microsoft.com/office/drawing/2014/main" id="{A0BB9FBA-33A3-4766-A074-88B8919891A5}"/>
+              </a:ext>
+            </a:extLst>
+          </p:cNvPr>
+          <p:cNvCxnSpPr>
+            <a:cxnSpLocks/>
+            <a:stCxn id="118" idx="3"/>
+            <a:endCxn id="69" idx="1"/>
+          </p:cNvCxnSpPr>
+          <p:nvPr/>
+        </p:nvCxnSpPr>
+        <p:spPr>
+          <a:xfrm flipV="1">
+            <a:off x="9455832" y="1429338"/>
+            <a:ext cx="986309" cy="1879763"/>
+          </a:xfrm>
+          <a:prstGeom prst="bentConnector3">
+            <a:avLst>
+              <a:gd name="adj1" fmla="val 50000"/>
+            </a:avLst>
+          </a:prstGeom>
+          <a:noFill/>
+          <a:ln w="9525" cap="flat" cmpd="sng">
+            <a:solidFill>
+              <a:srgbClr val="3D85C6"/>
+            </a:solidFill>
+            <a:prstDash val="solid"/>
+            <a:round/>
+            <a:headEnd type="none" w="med" len="med"/>
+            <a:tailEnd type="none" w="med" len="med"/>
+          </a:ln>
+        </p:spPr>
+      </p:cxnSp>
+      <p:sp>
+        <p:nvSpPr>
+          <p:cNvPr id="127" name="Google Shape;163;p28">
+            <a:extLst>
+              <a:ext uri="{FF2B5EF4-FFF2-40B4-BE49-F238E27FC236}">
+                <a16:creationId xmlns:a16="http://schemas.microsoft.com/office/drawing/2014/main" id="{FF2990DA-FF25-4BA2-949F-504F40133063}"/>
+              </a:ext>
+            </a:extLst>
+          </p:cNvPr>
+          <p:cNvSpPr txBox="1"/>
+          <p:nvPr/>
+        </p:nvSpPr>
+        <p:spPr>
+          <a:xfrm>
+            <a:off x="7769940" y="3032201"/>
+            <a:ext cx="513300" cy="276900"/>
+          </a:xfrm>
+          <a:prstGeom prst="rect">
+            <a:avLst/>
+          </a:prstGeom>
+          <a:noFill/>
+          <a:ln>
+            <a:noFill/>
+          </a:ln>
+        </p:spPr>
+        <p:txBody>
+          <a:bodyPr spcFirstLastPara="1" wrap="square" lIns="91425" tIns="45700" rIns="91425" bIns="45700" anchor="t" anchorCtr="0">
+            <a:noAutofit/>
+          </a:bodyPr>
+          <a:lstStyle/>
+          <a:p>
+            <a:r>
+              <a:rPr lang="es-419" sz="1600" dirty="0">
+                <a:solidFill>
+                  <a:schemeClr val="dk1"/>
+                </a:solidFill>
+                <a:latin typeface="Calibri"/>
+                <a:ea typeface="Calibri"/>
+                <a:cs typeface="Calibri"/>
+                <a:sym typeface="Calibri"/>
+              </a:rPr>
+              <a:t>1:1</a:t>
+            </a:r>
+            <a:endParaRPr sz="1600" dirty="0">
+              <a:solidFill>
+                <a:schemeClr val="dk1"/>
+              </a:solidFill>
+              <a:latin typeface="Calibri"/>
+              <a:ea typeface="Calibri"/>
+              <a:cs typeface="Calibri"/>
+              <a:sym typeface="Calibri"/>
+            </a:endParaRPr>
+          </a:p>
+        </p:txBody>
+      </p:sp>
+      <p:sp>
+        <p:nvSpPr>
+          <p:cNvPr id="128" name="Google Shape;154;p28">
+            <a:extLst>
+              <a:ext uri="{FF2B5EF4-FFF2-40B4-BE49-F238E27FC236}">
+                <a16:creationId xmlns:a16="http://schemas.microsoft.com/office/drawing/2014/main" id="{2C82E785-67E4-4B02-9DAF-E58148A68AE0}"/>
+              </a:ext>
+            </a:extLst>
+          </p:cNvPr>
+          <p:cNvSpPr txBox="1"/>
+          <p:nvPr/>
+        </p:nvSpPr>
+        <p:spPr>
+          <a:xfrm>
+            <a:off x="9992966" y="1176990"/>
+            <a:ext cx="567000" cy="231000"/>
+          </a:xfrm>
+          <a:prstGeom prst="rect">
+            <a:avLst/>
+          </a:prstGeom>
+          <a:noFill/>
+          <a:ln>
+            <a:noFill/>
+          </a:ln>
+        </p:spPr>
+        <p:txBody>
+          <a:bodyPr spcFirstLastPara="1" wrap="square" lIns="91425" tIns="45700" rIns="91425" bIns="45700" anchor="t" anchorCtr="0">
+            <a:noAutofit/>
+          </a:bodyPr>
+          <a:lstStyle/>
+          <a:p>
+            <a:r>
+              <a:rPr lang="es-419" sz="1400" dirty="0">
+                <a:solidFill>
+                  <a:schemeClr val="dk1"/>
+                </a:solidFill>
+                <a:latin typeface="Calibri"/>
+                <a:ea typeface="Calibri"/>
+                <a:cs typeface="Calibri"/>
+                <a:sym typeface="Calibri"/>
+              </a:rPr>
+              <a:t>0:N</a:t>
+            </a:r>
+            <a:endParaRPr sz="1400" dirty="0">
+              <a:solidFill>
+                <a:schemeClr val="dk1"/>
+              </a:solidFill>
+              <a:latin typeface="Calibri"/>
+              <a:ea typeface="Calibri"/>
+              <a:cs typeface="Calibri"/>
+              <a:sym typeface="Calibri"/>
+            </a:endParaRPr>
+          </a:p>
+        </p:txBody>
+      </p:sp>
+      <p:sp>
+        <p:nvSpPr>
+          <p:cNvPr id="129" name="Google Shape;148;p28">
+            <a:extLst>
+              <a:ext uri="{FF2B5EF4-FFF2-40B4-BE49-F238E27FC236}">
+                <a16:creationId xmlns:a16="http://schemas.microsoft.com/office/drawing/2014/main" id="{D9C4A2C7-065D-4671-8543-860FF9881D04}"/>
+              </a:ext>
+            </a:extLst>
+          </p:cNvPr>
+          <p:cNvSpPr/>
+          <p:nvPr/>
+        </p:nvSpPr>
+        <p:spPr>
+          <a:xfrm>
+            <a:off x="7772350" y="6325094"/>
+            <a:ext cx="1771861" cy="371400"/>
+          </a:xfrm>
+          <a:prstGeom prst="rect">
+            <a:avLst/>
+          </a:prstGeom>
+          <a:solidFill>
+            <a:schemeClr val="lt1"/>
+          </a:solidFill>
+          <a:ln w="25400" cap="flat" cmpd="sng">
+            <a:solidFill>
+              <a:schemeClr val="accent1"/>
+            </a:solidFill>
+            <a:prstDash val="solid"/>
+            <a:round/>
+            <a:headEnd type="none" w="sm" len="sm"/>
+            <a:tailEnd type="none" w="sm" len="sm"/>
+          </a:ln>
+        </p:spPr>
+        <p:txBody>
+          <a:bodyPr spcFirstLastPara="1" wrap="square" lIns="91425" tIns="45700" rIns="91425" bIns="45700" anchor="ctr" anchorCtr="0">
+            <a:noAutofit/>
+          </a:bodyPr>
+          <a:lstStyle/>
+          <a:p>
+            <a:pPr algn="ctr"/>
+            <a:r>
+              <a:rPr lang="es-419" dirty="0">
+                <a:solidFill>
+                  <a:schemeClr val="dk1"/>
+                </a:solidFill>
+                <a:latin typeface="Calibri"/>
+                <a:ea typeface="Calibri"/>
+                <a:cs typeface="Calibri"/>
+                <a:sym typeface="Calibri"/>
+              </a:rPr>
+              <a:t>Admin</a:t>
+            </a:r>
+            <a:endParaRPr dirty="0">
+              <a:solidFill>
+                <a:schemeClr val="dk1"/>
+              </a:solidFill>
+              <a:latin typeface="Calibri"/>
+              <a:ea typeface="Calibri"/>
+              <a:cs typeface="Calibri"/>
+              <a:sym typeface="Calibri"/>
+            </a:endParaRPr>
+          </a:p>
+        </p:txBody>
+      </p:sp>
+      <p:sp>
+        <p:nvSpPr>
+          <p:cNvPr id="130" name="Google Shape;156;p28">
+            <a:extLst>
+              <a:ext uri="{FF2B5EF4-FFF2-40B4-BE49-F238E27FC236}">
+                <a16:creationId xmlns:a16="http://schemas.microsoft.com/office/drawing/2014/main" id="{91388204-8067-4EA8-98A4-FDE8FC9F873B}"/>
+              </a:ext>
+            </a:extLst>
+          </p:cNvPr>
+          <p:cNvSpPr/>
+          <p:nvPr/>
+        </p:nvSpPr>
+        <p:spPr>
+          <a:xfrm>
+            <a:off x="8194767" y="1497595"/>
+            <a:ext cx="597000" cy="394800"/>
+          </a:xfrm>
+          <a:prstGeom prst="diamond">
+            <a:avLst/>
+          </a:prstGeom>
+          <a:solidFill>
+            <a:schemeClr val="lt1"/>
+          </a:solidFill>
+          <a:ln w="25400" cap="flat" cmpd="sng">
+            <a:solidFill>
+              <a:schemeClr val="accent6"/>
+            </a:solidFill>
+            <a:prstDash val="solid"/>
+            <a:round/>
+            <a:headEnd type="none" w="sm" len="sm"/>
+            <a:tailEnd type="none" w="sm" len="sm"/>
+          </a:ln>
+        </p:spPr>
+        <p:txBody>
+          <a:bodyPr spcFirstLastPara="1" wrap="square" lIns="91425" tIns="45700" rIns="91425" bIns="45700" anchor="ctr" anchorCtr="0">
+            <a:noAutofit/>
+          </a:bodyPr>
+          <a:lstStyle/>
+          <a:p>
+            <a:pPr algn="ctr"/>
+            <a:endParaRPr>
+              <a:solidFill>
+                <a:schemeClr val="dk1"/>
+              </a:solidFill>
+              <a:latin typeface="Calibri"/>
+              <a:ea typeface="Calibri"/>
+              <a:cs typeface="Calibri"/>
+              <a:sym typeface="Calibri"/>
+            </a:endParaRPr>
+          </a:p>
+        </p:txBody>
+      </p:sp>
+      <p:cxnSp>
+        <p:nvCxnSpPr>
+          <p:cNvPr id="134" name="Google Shape;166;p28">
+            <a:extLst>
+              <a:ext uri="{FF2B5EF4-FFF2-40B4-BE49-F238E27FC236}">
+                <a16:creationId xmlns:a16="http://schemas.microsoft.com/office/drawing/2014/main" id="{EF2C1DFA-7C79-4765-AB32-F82010B97F78}"/>
+              </a:ext>
+            </a:extLst>
+          </p:cNvPr>
+          <p:cNvCxnSpPr>
+            <a:cxnSpLocks/>
+            <a:stCxn id="78" idx="0"/>
+            <a:endCxn id="130" idx="2"/>
+          </p:cNvCxnSpPr>
+          <p:nvPr/>
+        </p:nvCxnSpPr>
+        <p:spPr>
+          <a:xfrm rot="5400000" flipH="1" flipV="1">
+            <a:off x="7138480" y="1756915"/>
+            <a:ext cx="1219306" cy="1490267"/>
+          </a:xfrm>
+          <a:prstGeom prst="bentConnector3">
+            <a:avLst>
+              <a:gd name="adj1" fmla="val 50000"/>
+            </a:avLst>
+          </a:prstGeom>
+          <a:noFill/>
+          <a:ln w="9525" cap="flat" cmpd="sng">
+            <a:solidFill>
+              <a:srgbClr val="3D85C6"/>
+            </a:solidFill>
+            <a:prstDash val="solid"/>
+            <a:round/>
+            <a:headEnd type="none" w="med" len="med"/>
+            <a:tailEnd type="none" w="med" len="med"/>
+          </a:ln>
+        </p:spPr>
+      </p:cxnSp>
+      <p:sp>
+        <p:nvSpPr>
+          <p:cNvPr id="141" name="Google Shape;163;p28">
+            <a:extLst>
+              <a:ext uri="{FF2B5EF4-FFF2-40B4-BE49-F238E27FC236}">
+                <a16:creationId xmlns:a16="http://schemas.microsoft.com/office/drawing/2014/main" id="{66577E97-2A89-49D9-A8FC-3FBB90DF4F84}"/>
+              </a:ext>
+            </a:extLst>
+          </p:cNvPr>
+          <p:cNvSpPr txBox="1"/>
+          <p:nvPr/>
+        </p:nvSpPr>
+        <p:spPr>
+          <a:xfrm>
+            <a:off x="8486917" y="709742"/>
+            <a:ext cx="513300" cy="276900"/>
+          </a:xfrm>
+          <a:prstGeom prst="rect">
+            <a:avLst/>
+          </a:prstGeom>
+          <a:noFill/>
+          <a:ln>
+            <a:noFill/>
+          </a:ln>
+        </p:spPr>
+        <p:txBody>
+          <a:bodyPr spcFirstLastPara="1" wrap="square" lIns="91425" tIns="45700" rIns="91425" bIns="45700" anchor="t" anchorCtr="0">
+            <a:noAutofit/>
+          </a:bodyPr>
+          <a:lstStyle/>
+          <a:p>
+            <a:r>
+              <a:rPr lang="es-419" sz="1600" dirty="0">
+                <a:solidFill>
+                  <a:schemeClr val="dk1"/>
+                </a:solidFill>
+                <a:latin typeface="Calibri"/>
+                <a:ea typeface="Calibri"/>
+                <a:cs typeface="Calibri"/>
+                <a:sym typeface="Calibri"/>
+              </a:rPr>
+              <a:t>1:1</a:t>
+            </a:r>
+            <a:endParaRPr sz="1600" dirty="0">
+              <a:solidFill>
+                <a:schemeClr val="dk1"/>
+              </a:solidFill>
+              <a:latin typeface="Calibri"/>
+              <a:ea typeface="Calibri"/>
+              <a:cs typeface="Calibri"/>
+              <a:sym typeface="Calibri"/>
+            </a:endParaRPr>
+          </a:p>
+        </p:txBody>
+      </p:sp>
+      <p:sp>
+        <p:nvSpPr>
+          <p:cNvPr id="142" name="Google Shape;152;p28">
+            <a:extLst>
+              <a:ext uri="{FF2B5EF4-FFF2-40B4-BE49-F238E27FC236}">
+                <a16:creationId xmlns:a16="http://schemas.microsoft.com/office/drawing/2014/main" id="{B4461952-CDB2-4A08-B6C6-F0676A57B2E0}"/>
+              </a:ext>
+            </a:extLst>
+          </p:cNvPr>
+          <p:cNvSpPr txBox="1"/>
+          <p:nvPr/>
+        </p:nvSpPr>
+        <p:spPr>
+          <a:xfrm>
+            <a:off x="9286069" y="148336"/>
+            <a:ext cx="1149722" cy="406852"/>
+          </a:xfrm>
+          <a:prstGeom prst="rect">
+            <a:avLst/>
+          </a:prstGeom>
+          <a:noFill/>
+          <a:ln>
+            <a:noFill/>
+          </a:ln>
+        </p:spPr>
+        <p:txBody>
+          <a:bodyPr spcFirstLastPara="1" wrap="square" lIns="91425" tIns="45700" rIns="91425" bIns="45700" anchor="t" anchorCtr="0">
+            <a:noAutofit/>
+          </a:bodyPr>
+          <a:lstStyle/>
+          <a:p>
+            <a:r>
+              <a:rPr lang="es-419" sz="1200" b="1" dirty="0">
+                <a:solidFill>
+                  <a:schemeClr val="dk1"/>
+                </a:solidFill>
+                <a:latin typeface="Calibri"/>
+                <a:ea typeface="Calibri"/>
+                <a:cs typeface="Calibri"/>
+                <a:sym typeface="Calibri"/>
+              </a:rPr>
+              <a:t>ID</a:t>
+            </a:r>
+            <a:endParaRPr sz="1200" b="1" dirty="0">
+              <a:solidFill>
+                <a:schemeClr val="dk1"/>
+              </a:solidFill>
+              <a:latin typeface="Calibri"/>
+              <a:ea typeface="Calibri"/>
+              <a:cs typeface="Calibri"/>
+              <a:sym typeface="Calibri"/>
+            </a:endParaRPr>
+          </a:p>
+          <a:p>
+            <a:r>
+              <a:rPr lang="es-419" sz="1200" dirty="0">
+                <a:solidFill>
+                  <a:schemeClr val="dk1"/>
+                </a:solidFill>
+                <a:latin typeface="Calibri"/>
+                <a:ea typeface="Calibri"/>
+                <a:cs typeface="Calibri"/>
+                <a:sym typeface="Calibri"/>
+              </a:rPr>
+              <a:t>question_text</a:t>
+            </a:r>
+            <a:endParaRPr sz="1200" dirty="0">
+              <a:solidFill>
+                <a:schemeClr val="dk1"/>
+              </a:solidFill>
+              <a:latin typeface="Calibri"/>
+              <a:ea typeface="Calibri"/>
+              <a:cs typeface="Calibri"/>
+              <a:sym typeface="Calibri"/>
+            </a:endParaRPr>
+          </a:p>
+          <a:p>
+            <a:endParaRPr sz="1200" dirty="0">
+              <a:solidFill>
+                <a:schemeClr val="dk1"/>
+              </a:solidFill>
+              <a:latin typeface="Calibri"/>
+              <a:ea typeface="Calibri"/>
+              <a:cs typeface="Calibri"/>
+              <a:sym typeface="Calibri"/>
+            </a:endParaRPr>
+          </a:p>
+          <a:p>
+            <a:endParaRPr sz="1200" dirty="0">
+              <a:solidFill>
+                <a:schemeClr val="dk1"/>
+              </a:solidFill>
+              <a:latin typeface="Calibri"/>
+              <a:ea typeface="Calibri"/>
+              <a:cs typeface="Calibri"/>
+              <a:sym typeface="Calibri"/>
+            </a:endParaRPr>
+          </a:p>
+          <a:p>
+            <a:endParaRPr sz="1200" dirty="0">
+              <a:solidFill>
+                <a:schemeClr val="dk1"/>
+              </a:solidFill>
+              <a:latin typeface="Calibri"/>
+              <a:ea typeface="Calibri"/>
+              <a:cs typeface="Calibri"/>
+              <a:sym typeface="Calibri"/>
+            </a:endParaRPr>
+          </a:p>
+        </p:txBody>
+      </p:sp>
+      <p:sp>
+        <p:nvSpPr>
+          <p:cNvPr id="143" name="Google Shape;152;p28">
+            <a:extLst>
+              <a:ext uri="{FF2B5EF4-FFF2-40B4-BE49-F238E27FC236}">
+                <a16:creationId xmlns:a16="http://schemas.microsoft.com/office/drawing/2014/main" id="{DD388477-3101-45EF-B9F7-4BC64065FD08}"/>
+              </a:ext>
+            </a:extLst>
+          </p:cNvPr>
+          <p:cNvSpPr txBox="1"/>
+          <p:nvPr/>
+        </p:nvSpPr>
+        <p:spPr>
+          <a:xfrm>
+            <a:off x="10985704" y="347206"/>
+            <a:ext cx="941070" cy="795174"/>
+          </a:xfrm>
+          <a:prstGeom prst="rect">
+            <a:avLst/>
+          </a:prstGeom>
+          <a:noFill/>
+          <a:ln>
+            <a:noFill/>
+          </a:ln>
+        </p:spPr>
+        <p:txBody>
+          <a:bodyPr spcFirstLastPara="1" wrap="square" lIns="91425" tIns="45700" rIns="91425" bIns="45700" anchor="t" anchorCtr="0">
+            <a:noAutofit/>
+          </a:bodyPr>
+          <a:lstStyle/>
+          <a:p>
+            <a:r>
+              <a:rPr lang="es-419" sz="1200" b="1" dirty="0">
+                <a:solidFill>
+                  <a:schemeClr val="dk1"/>
+                </a:solidFill>
+                <a:latin typeface="Calibri"/>
+                <a:ea typeface="Calibri"/>
+                <a:cs typeface="Calibri"/>
+                <a:sym typeface="Calibri"/>
+              </a:rPr>
+              <a:t>ID</a:t>
+            </a:r>
+            <a:endParaRPr sz="1200" b="1" dirty="0">
+              <a:solidFill>
+                <a:schemeClr val="dk1"/>
+              </a:solidFill>
+              <a:latin typeface="Calibri"/>
+              <a:ea typeface="Calibri"/>
+              <a:cs typeface="Calibri"/>
+              <a:sym typeface="Calibri"/>
+            </a:endParaRPr>
+          </a:p>
+          <a:p>
+            <a:r>
+              <a:rPr lang="es-419" sz="1200" dirty="0">
+                <a:solidFill>
+                  <a:schemeClr val="dk1"/>
+                </a:solidFill>
+                <a:latin typeface="Calibri"/>
+                <a:ea typeface="Calibri"/>
+                <a:cs typeface="Calibri"/>
+                <a:sym typeface="Calibri"/>
+              </a:rPr>
+              <a:t>name,</a:t>
+            </a:r>
+          </a:p>
+          <a:p>
+            <a:r>
+              <a:rPr lang="es-419" sz="1200" dirty="0">
+                <a:solidFill>
+                  <a:schemeClr val="dk1"/>
+                </a:solidFill>
+                <a:latin typeface="Calibri"/>
+                <a:ea typeface="Calibri"/>
+                <a:cs typeface="Calibri"/>
+                <a:sym typeface="Calibri"/>
+              </a:rPr>
+              <a:t>thumb,</a:t>
+            </a:r>
+          </a:p>
+          <a:p>
+            <a:r>
+              <a:rPr lang="es-419" sz="1200" dirty="0">
+                <a:solidFill>
+                  <a:schemeClr val="dk1"/>
+                </a:solidFill>
+                <a:latin typeface="Calibri"/>
+                <a:ea typeface="Calibri"/>
+                <a:cs typeface="Calibri"/>
+                <a:sym typeface="Calibri"/>
+              </a:rPr>
+              <a:t>photoimage</a:t>
+            </a:r>
+          </a:p>
+          <a:p>
+            <a:endParaRPr lang="es-419" sz="1200" dirty="0">
+              <a:solidFill>
+                <a:schemeClr val="dk1"/>
+              </a:solidFill>
+              <a:latin typeface="Calibri"/>
+              <a:ea typeface="Calibri"/>
+              <a:cs typeface="Calibri"/>
+              <a:sym typeface="Calibri"/>
+            </a:endParaRPr>
+          </a:p>
+          <a:p>
+            <a:endParaRPr sz="1200" dirty="0">
+              <a:solidFill>
+                <a:schemeClr val="dk1"/>
+              </a:solidFill>
+              <a:latin typeface="Calibri"/>
+              <a:ea typeface="Calibri"/>
+              <a:cs typeface="Calibri"/>
+              <a:sym typeface="Calibri"/>
+            </a:endParaRPr>
+          </a:p>
+          <a:p>
+            <a:endParaRPr sz="1200" dirty="0">
+              <a:solidFill>
+                <a:schemeClr val="dk1"/>
+              </a:solidFill>
+              <a:latin typeface="Calibri"/>
+              <a:ea typeface="Calibri"/>
+              <a:cs typeface="Calibri"/>
+              <a:sym typeface="Calibri"/>
+            </a:endParaRPr>
+          </a:p>
+          <a:p>
+            <a:endParaRPr sz="1200" dirty="0">
+              <a:solidFill>
+                <a:schemeClr val="dk1"/>
+              </a:solidFill>
+              <a:latin typeface="Calibri"/>
+              <a:ea typeface="Calibri"/>
+              <a:cs typeface="Calibri"/>
+              <a:sym typeface="Calibri"/>
+            </a:endParaRPr>
+          </a:p>
+          <a:p>
+            <a:endParaRPr sz="1200" dirty="0">
+              <a:solidFill>
+                <a:schemeClr val="dk1"/>
+              </a:solidFill>
+              <a:latin typeface="Calibri"/>
+              <a:ea typeface="Calibri"/>
+              <a:cs typeface="Calibri"/>
+              <a:sym typeface="Calibri"/>
+            </a:endParaRPr>
+          </a:p>
+        </p:txBody>
+      </p:sp>
+      <p:sp>
+        <p:nvSpPr>
+          <p:cNvPr id="144" name="Google Shape;152;p28">
+            <a:extLst>
+              <a:ext uri="{FF2B5EF4-FFF2-40B4-BE49-F238E27FC236}">
+                <a16:creationId xmlns:a16="http://schemas.microsoft.com/office/drawing/2014/main" id="{2A79D5A7-D172-4146-806A-F2C5729FB262}"/>
+              </a:ext>
+            </a:extLst>
+          </p:cNvPr>
+          <p:cNvSpPr txBox="1"/>
+          <p:nvPr/>
+        </p:nvSpPr>
+        <p:spPr>
+          <a:xfrm>
+            <a:off x="11535064" y="6218751"/>
+            <a:ext cx="656936" cy="563054"/>
+          </a:xfrm>
+          <a:prstGeom prst="rect">
+            <a:avLst/>
+          </a:prstGeom>
+          <a:noFill/>
+          <a:ln>
+            <a:noFill/>
+          </a:ln>
+        </p:spPr>
+        <p:txBody>
+          <a:bodyPr spcFirstLastPara="1" wrap="square" lIns="91425" tIns="45700" rIns="91425" bIns="45700" anchor="t" anchorCtr="0">
+            <a:noAutofit/>
+          </a:bodyPr>
+          <a:lstStyle/>
+          <a:p>
+            <a:r>
+              <a:rPr lang="es-419" b="1" dirty="0">
+                <a:solidFill>
+                  <a:schemeClr val="dk1"/>
+                </a:solidFill>
+                <a:latin typeface="Calibri"/>
+                <a:ea typeface="Calibri"/>
+                <a:cs typeface="Calibri"/>
+                <a:sym typeface="Calibri"/>
+              </a:rPr>
+              <a:t>ID</a:t>
+            </a:r>
+            <a:endParaRPr b="1" dirty="0">
+              <a:solidFill>
+                <a:schemeClr val="dk1"/>
+              </a:solidFill>
+              <a:latin typeface="Calibri"/>
+              <a:ea typeface="Calibri"/>
+              <a:cs typeface="Calibri"/>
+              <a:sym typeface="Calibri"/>
+            </a:endParaRPr>
+          </a:p>
+          <a:p>
+            <a:r>
+              <a:rPr lang="es-419" sz="1600" dirty="0">
+                <a:solidFill>
+                  <a:schemeClr val="dk1"/>
+                </a:solidFill>
+                <a:latin typeface="Calibri"/>
+                <a:ea typeface="Calibri"/>
+                <a:cs typeface="Calibri"/>
+                <a:sym typeface="Calibri"/>
+              </a:rPr>
+              <a:t>Word</a:t>
+            </a:r>
+          </a:p>
+          <a:p>
+            <a:endParaRPr sz="1600" dirty="0">
+              <a:solidFill>
+                <a:schemeClr val="dk1"/>
+              </a:solidFill>
+              <a:latin typeface="Calibri"/>
+              <a:ea typeface="Calibri"/>
+              <a:cs typeface="Calibri"/>
+              <a:sym typeface="Calibri"/>
+            </a:endParaRPr>
+          </a:p>
+          <a:p>
+            <a:endParaRPr sz="1600" dirty="0">
+              <a:solidFill>
+                <a:schemeClr val="dk1"/>
+              </a:solidFill>
+              <a:latin typeface="Calibri"/>
+              <a:ea typeface="Calibri"/>
+              <a:cs typeface="Calibri"/>
+              <a:sym typeface="Calibri"/>
+            </a:endParaRPr>
+          </a:p>
+          <a:p>
+            <a:endParaRPr sz="1600" dirty="0">
+              <a:solidFill>
+                <a:schemeClr val="dk1"/>
+              </a:solidFill>
+              <a:latin typeface="Calibri"/>
+              <a:ea typeface="Calibri"/>
+              <a:cs typeface="Calibri"/>
+              <a:sym typeface="Calibri"/>
+            </a:endParaRPr>
+          </a:p>
+          <a:p>
+            <a:endParaRPr sz="1600" dirty="0">
+              <a:solidFill>
+                <a:schemeClr val="dk1"/>
+              </a:solidFill>
+              <a:latin typeface="Calibri"/>
+              <a:ea typeface="Calibri"/>
+              <a:cs typeface="Calibri"/>
+              <a:sym typeface="Calibri"/>
+            </a:endParaRPr>
+          </a:p>
+        </p:txBody>
+      </p:sp>
+      <p:sp>
+        <p:nvSpPr>
+          <p:cNvPr id="147" name="Google Shape;156;p28">
+            <a:extLst>
+              <a:ext uri="{FF2B5EF4-FFF2-40B4-BE49-F238E27FC236}">
+                <a16:creationId xmlns:a16="http://schemas.microsoft.com/office/drawing/2014/main" id="{4C132894-4637-484B-A426-0409FAE08CA5}"/>
+              </a:ext>
+            </a:extLst>
+          </p:cNvPr>
+          <p:cNvSpPr/>
+          <p:nvPr/>
+        </p:nvSpPr>
+        <p:spPr>
+          <a:xfrm>
+            <a:off x="6040434" y="357789"/>
+            <a:ext cx="597000" cy="394800"/>
+          </a:xfrm>
+          <a:prstGeom prst="diamond">
+            <a:avLst/>
+          </a:prstGeom>
+          <a:solidFill>
+            <a:schemeClr val="lt1"/>
+          </a:solidFill>
+          <a:ln w="25400" cap="flat" cmpd="sng">
+            <a:solidFill>
+              <a:schemeClr val="accent6"/>
+            </a:solidFill>
+            <a:prstDash val="solid"/>
+            <a:round/>
+            <a:headEnd type="none" w="sm" len="sm"/>
+            <a:tailEnd type="none" w="sm" len="sm"/>
+          </a:ln>
+        </p:spPr>
+        <p:txBody>
+          <a:bodyPr spcFirstLastPara="1" wrap="square" lIns="91425" tIns="45700" rIns="91425" bIns="45700" anchor="ctr" anchorCtr="0">
+            <a:noAutofit/>
+          </a:bodyPr>
+          <a:lstStyle/>
+          <a:p>
+            <a:pPr algn="ctr"/>
+            <a:endParaRPr>
+              <a:solidFill>
+                <a:schemeClr val="dk1"/>
+              </a:solidFill>
+              <a:latin typeface="Calibri"/>
+              <a:ea typeface="Calibri"/>
+              <a:cs typeface="Calibri"/>
+              <a:sym typeface="Calibri"/>
+            </a:endParaRPr>
+          </a:p>
+        </p:txBody>
+      </p:sp>
+      <p:sp>
+        <p:nvSpPr>
+          <p:cNvPr id="153" name="Google Shape;152;p28">
+            <a:extLst>
+              <a:ext uri="{FF2B5EF4-FFF2-40B4-BE49-F238E27FC236}">
+                <a16:creationId xmlns:a16="http://schemas.microsoft.com/office/drawing/2014/main" id="{F4E997F2-9BBE-4D27-A878-192321FF5E14}"/>
+              </a:ext>
+            </a:extLst>
+          </p:cNvPr>
+          <p:cNvSpPr txBox="1"/>
+          <p:nvPr/>
+        </p:nvSpPr>
+        <p:spPr>
+          <a:xfrm>
+            <a:off x="4011812" y="5927586"/>
+            <a:ext cx="981227" cy="591555"/>
+          </a:xfrm>
+          <a:prstGeom prst="rect">
+            <a:avLst/>
+          </a:prstGeom>
+          <a:noFill/>
+          <a:ln>
+            <a:noFill/>
+          </a:ln>
+        </p:spPr>
+        <p:txBody>
+          <a:bodyPr spcFirstLastPara="1" wrap="square" lIns="91425" tIns="45700" rIns="91425" bIns="45700" anchor="t" anchorCtr="0">
+            <a:noAutofit/>
+          </a:bodyPr>
+          <a:lstStyle/>
+          <a:p>
+            <a:r>
+              <a:rPr lang="es-419" sz="1200" b="1" dirty="0">
+                <a:solidFill>
+                  <a:schemeClr val="dk1"/>
+                </a:solidFill>
+                <a:latin typeface="Calibri"/>
+                <a:ea typeface="Calibri"/>
+                <a:cs typeface="Calibri"/>
+                <a:sym typeface="Calibri"/>
+              </a:rPr>
+              <a:t>ID</a:t>
+            </a:r>
+            <a:endParaRPr sz="1200" b="1" dirty="0">
+              <a:solidFill>
+                <a:schemeClr val="dk1"/>
+              </a:solidFill>
+              <a:latin typeface="Calibri"/>
+              <a:ea typeface="Calibri"/>
+              <a:cs typeface="Calibri"/>
+              <a:sym typeface="Calibri"/>
+            </a:endParaRPr>
+          </a:p>
+          <a:p>
+            <a:r>
+              <a:rPr lang="es-419" sz="1200" dirty="0">
+                <a:solidFill>
+                  <a:schemeClr val="dk1"/>
+                </a:solidFill>
+                <a:latin typeface="Calibri"/>
+                <a:ea typeface="Calibri"/>
+                <a:cs typeface="Calibri"/>
+                <a:sym typeface="Calibri"/>
+              </a:rPr>
+              <a:t>date,</a:t>
+            </a:r>
+          </a:p>
+          <a:p>
+            <a:r>
+              <a:rPr lang="es-419" sz="1200" dirty="0">
+                <a:solidFill>
+                  <a:schemeClr val="dk1"/>
+                </a:solidFill>
+                <a:latin typeface="Calibri"/>
+                <a:ea typeface="Calibri"/>
+                <a:cs typeface="Calibri"/>
+                <a:sym typeface="Calibri"/>
+              </a:rPr>
+              <a:t>score</a:t>
+            </a:r>
+            <a:endParaRPr sz="1200" dirty="0">
+              <a:solidFill>
+                <a:schemeClr val="dk1"/>
+              </a:solidFill>
+              <a:latin typeface="Calibri"/>
+              <a:ea typeface="Calibri"/>
+              <a:cs typeface="Calibri"/>
+              <a:sym typeface="Calibri"/>
+            </a:endParaRPr>
+          </a:p>
+          <a:p>
+            <a:endParaRPr sz="1200" dirty="0">
+              <a:solidFill>
+                <a:schemeClr val="dk1"/>
+              </a:solidFill>
+              <a:latin typeface="Calibri"/>
+              <a:ea typeface="Calibri"/>
+              <a:cs typeface="Calibri"/>
+              <a:sym typeface="Calibri"/>
+            </a:endParaRPr>
+          </a:p>
+          <a:p>
+            <a:endParaRPr sz="1200" dirty="0">
+              <a:solidFill>
+                <a:schemeClr val="dk1"/>
+              </a:solidFill>
+              <a:latin typeface="Calibri"/>
+              <a:ea typeface="Calibri"/>
+              <a:cs typeface="Calibri"/>
+              <a:sym typeface="Calibri"/>
+            </a:endParaRPr>
+          </a:p>
+          <a:p>
+            <a:endParaRPr sz="1200" dirty="0">
+              <a:solidFill>
+                <a:schemeClr val="dk1"/>
+              </a:solidFill>
+              <a:latin typeface="Calibri"/>
+              <a:ea typeface="Calibri"/>
+              <a:cs typeface="Calibri"/>
+              <a:sym typeface="Calibri"/>
+            </a:endParaRPr>
+          </a:p>
+        </p:txBody>
+      </p:sp>
+      <p:sp>
+        <p:nvSpPr>
+          <p:cNvPr id="164" name="Google Shape;156;p28">
+            <a:extLst>
+              <a:ext uri="{FF2B5EF4-FFF2-40B4-BE49-F238E27FC236}">
+                <a16:creationId xmlns:a16="http://schemas.microsoft.com/office/drawing/2014/main" id="{F0760FE0-EA81-4092-A0A9-F177F5AA6523}"/>
+              </a:ext>
+            </a:extLst>
+          </p:cNvPr>
+          <p:cNvSpPr/>
+          <p:nvPr/>
+        </p:nvSpPr>
+        <p:spPr>
+          <a:xfrm>
+            <a:off x="4287632" y="3062176"/>
+            <a:ext cx="597000" cy="394800"/>
+          </a:xfrm>
+          <a:prstGeom prst="diamond">
+            <a:avLst/>
+          </a:prstGeom>
+          <a:solidFill>
+            <a:schemeClr val="lt1"/>
+          </a:solidFill>
+          <a:ln w="25400" cap="flat" cmpd="sng">
+            <a:solidFill>
+              <a:schemeClr val="accent6"/>
+            </a:solidFill>
+            <a:prstDash val="solid"/>
+            <a:round/>
+            <a:headEnd type="none" w="sm" len="sm"/>
+            <a:tailEnd type="none" w="sm" len="sm"/>
+          </a:ln>
+        </p:spPr>
+        <p:txBody>
+          <a:bodyPr spcFirstLastPara="1" wrap="square" lIns="91425" tIns="45700" rIns="91425" bIns="45700" anchor="ctr" anchorCtr="0">
+            <a:noAutofit/>
+          </a:bodyPr>
+          <a:lstStyle/>
+          <a:p>
+            <a:pPr algn="ctr"/>
+            <a:endParaRPr>
+              <a:solidFill>
+                <a:schemeClr val="dk1"/>
+              </a:solidFill>
+              <a:latin typeface="Calibri"/>
+              <a:ea typeface="Calibri"/>
+              <a:cs typeface="Calibri"/>
+              <a:sym typeface="Calibri"/>
+            </a:endParaRPr>
+          </a:p>
+        </p:txBody>
+      </p:sp>
+      <p:cxnSp>
+        <p:nvCxnSpPr>
+          <p:cNvPr id="165" name="Google Shape;166;p28">
+            <a:extLst>
+              <a:ext uri="{FF2B5EF4-FFF2-40B4-BE49-F238E27FC236}">
+                <a16:creationId xmlns:a16="http://schemas.microsoft.com/office/drawing/2014/main" id="{27C3CADA-BA8E-4680-BBFE-FF008B4C68D2}"/>
+              </a:ext>
+            </a:extLst>
+          </p:cNvPr>
+          <p:cNvCxnSpPr>
+            <a:cxnSpLocks/>
+            <a:stCxn id="164" idx="2"/>
+            <a:endCxn id="91" idx="0"/>
+          </p:cNvCxnSpPr>
+          <p:nvPr/>
+        </p:nvCxnSpPr>
+        <p:spPr>
+          <a:xfrm rot="5400000">
+            <a:off x="3557953" y="4478807"/>
+            <a:ext cx="2050010" cy="6348"/>
+          </a:xfrm>
+          <a:prstGeom prst="bentConnector3">
+            <a:avLst>
+              <a:gd name="adj1" fmla="val 50000"/>
+            </a:avLst>
+          </a:prstGeom>
+          <a:noFill/>
+          <a:ln w="9525" cap="flat" cmpd="sng">
+            <a:solidFill>
+              <a:srgbClr val="3D85C6"/>
+            </a:solidFill>
+            <a:prstDash val="solid"/>
+            <a:round/>
+            <a:headEnd type="none" w="med" len="med"/>
+            <a:tailEnd type="none" w="med" len="med"/>
+          </a:ln>
+        </p:spPr>
+      </p:cxnSp>
+      <p:cxnSp>
+        <p:nvCxnSpPr>
+          <p:cNvPr id="171" name="Google Shape;166;p28">
+            <a:extLst>
+              <a:ext uri="{FF2B5EF4-FFF2-40B4-BE49-F238E27FC236}">
+                <a16:creationId xmlns:a16="http://schemas.microsoft.com/office/drawing/2014/main" id="{0DAE0595-11D9-4164-B9E6-4012DDBCE98D}"/>
+              </a:ext>
+            </a:extLst>
+          </p:cNvPr>
+          <p:cNvCxnSpPr>
+            <a:cxnSpLocks/>
+            <a:stCxn id="61" idx="2"/>
+            <a:endCxn id="164" idx="0"/>
+          </p:cNvCxnSpPr>
+          <p:nvPr/>
+        </p:nvCxnSpPr>
+        <p:spPr>
+          <a:xfrm rot="5400000">
+            <a:off x="3789206" y="2265248"/>
+            <a:ext cx="1593855" cy="1"/>
+          </a:xfrm>
+          <a:prstGeom prst="bentConnector3">
+            <a:avLst>
+              <a:gd name="adj1" fmla="val 50000"/>
+            </a:avLst>
+          </a:prstGeom>
+          <a:noFill/>
+          <a:ln w="9525" cap="flat" cmpd="sng">
+            <a:solidFill>
+              <a:srgbClr val="3D85C6"/>
+            </a:solidFill>
+            <a:prstDash val="solid"/>
+            <a:round/>
+            <a:headEnd type="none" w="med" len="med"/>
+            <a:tailEnd type="none" w="med" len="med"/>
+          </a:ln>
+        </p:spPr>
+      </p:cxnSp>
+      <p:sp>
+        <p:nvSpPr>
+          <p:cNvPr id="175" name="Google Shape;163;p28">
+            <a:extLst>
+              <a:ext uri="{FF2B5EF4-FFF2-40B4-BE49-F238E27FC236}">
+                <a16:creationId xmlns:a16="http://schemas.microsoft.com/office/drawing/2014/main" id="{6B69FD3C-D2A8-4F93-A3A1-8F379C60E8A4}"/>
+              </a:ext>
+            </a:extLst>
+          </p:cNvPr>
+          <p:cNvSpPr txBox="1"/>
+          <p:nvPr/>
+        </p:nvSpPr>
+        <p:spPr>
+          <a:xfrm>
+            <a:off x="4502426" y="5204286"/>
+            <a:ext cx="513300" cy="276900"/>
+          </a:xfrm>
+          <a:prstGeom prst="rect">
+            <a:avLst/>
+          </a:prstGeom>
+          <a:noFill/>
+          <a:ln>
+            <a:noFill/>
+          </a:ln>
+        </p:spPr>
+        <p:txBody>
+          <a:bodyPr spcFirstLastPara="1" wrap="square" lIns="91425" tIns="45700" rIns="91425" bIns="45700" anchor="t" anchorCtr="0">
+            <a:noAutofit/>
+          </a:bodyPr>
+          <a:lstStyle/>
+          <a:p>
+            <a:r>
+              <a:rPr lang="es-419" sz="1600" dirty="0">
+                <a:solidFill>
+                  <a:schemeClr val="dk1"/>
+                </a:solidFill>
+                <a:latin typeface="Calibri"/>
+                <a:ea typeface="Calibri"/>
+                <a:cs typeface="Calibri"/>
+                <a:sym typeface="Calibri"/>
+              </a:rPr>
+              <a:t>0:N</a:t>
+            </a:r>
+            <a:endParaRPr sz="1600" dirty="0">
+              <a:solidFill>
+                <a:schemeClr val="dk1"/>
+              </a:solidFill>
+              <a:latin typeface="Calibri"/>
+              <a:ea typeface="Calibri"/>
+              <a:cs typeface="Calibri"/>
+              <a:sym typeface="Calibri"/>
+            </a:endParaRPr>
+          </a:p>
+        </p:txBody>
+      </p:sp>
+      <p:sp>
+        <p:nvSpPr>
+          <p:cNvPr id="176" name="Google Shape;163;p28">
+            <a:extLst>
+              <a:ext uri="{FF2B5EF4-FFF2-40B4-BE49-F238E27FC236}">
+                <a16:creationId xmlns:a16="http://schemas.microsoft.com/office/drawing/2014/main" id="{D77791DB-BE12-4B79-83EB-BB2EE402C51A}"/>
+              </a:ext>
+            </a:extLst>
+          </p:cNvPr>
+          <p:cNvSpPr txBox="1"/>
+          <p:nvPr/>
+        </p:nvSpPr>
+        <p:spPr>
+          <a:xfrm>
+            <a:off x="4539652" y="1479969"/>
+            <a:ext cx="513300" cy="276900"/>
+          </a:xfrm>
+          <a:prstGeom prst="rect">
+            <a:avLst/>
+          </a:prstGeom>
+          <a:noFill/>
+          <a:ln>
+            <a:noFill/>
+          </a:ln>
+        </p:spPr>
+        <p:txBody>
+          <a:bodyPr spcFirstLastPara="1" wrap="square" lIns="91425" tIns="45700" rIns="91425" bIns="45700" anchor="t" anchorCtr="0">
+            <a:noAutofit/>
+          </a:bodyPr>
+          <a:lstStyle/>
+          <a:p>
+            <a:r>
+              <a:rPr lang="es-419" sz="1600" dirty="0">
+                <a:solidFill>
+                  <a:schemeClr val="dk1"/>
+                </a:solidFill>
+                <a:latin typeface="Calibri"/>
+                <a:ea typeface="Calibri"/>
+                <a:cs typeface="Calibri"/>
+                <a:sym typeface="Calibri"/>
+              </a:rPr>
+              <a:t>0:N</a:t>
+            </a:r>
+            <a:endParaRPr sz="1600" dirty="0">
+              <a:solidFill>
+                <a:schemeClr val="dk1"/>
+              </a:solidFill>
+              <a:latin typeface="Calibri"/>
+              <a:ea typeface="Calibri"/>
+              <a:cs typeface="Calibri"/>
+              <a:sym typeface="Calibri"/>
+            </a:endParaRPr>
+          </a:p>
+        </p:txBody>
+      </p:sp>
+      <p:sp>
+        <p:nvSpPr>
+          <p:cNvPr id="177" name="Google Shape;148;p28">
+            <a:extLst>
+              <a:ext uri="{FF2B5EF4-FFF2-40B4-BE49-F238E27FC236}">
+                <a16:creationId xmlns:a16="http://schemas.microsoft.com/office/drawing/2014/main" id="{B3529FCE-772A-4828-8780-B8D08BDD57D0}"/>
+              </a:ext>
+            </a:extLst>
+          </p:cNvPr>
+          <p:cNvSpPr/>
+          <p:nvPr/>
+        </p:nvSpPr>
+        <p:spPr>
+          <a:xfrm>
+            <a:off x="430497" y="354327"/>
+            <a:ext cx="1771861" cy="371400"/>
+          </a:xfrm>
+          <a:prstGeom prst="rect">
+            <a:avLst/>
+          </a:prstGeom>
+          <a:solidFill>
+            <a:schemeClr val="lt1"/>
+          </a:solidFill>
+          <a:ln w="25400" cap="flat" cmpd="sng">
+            <a:solidFill>
+              <a:schemeClr val="accent1"/>
+            </a:solidFill>
+            <a:prstDash val="solid"/>
+            <a:round/>
+            <a:headEnd type="none" w="sm" len="sm"/>
+            <a:tailEnd type="none" w="sm" len="sm"/>
+          </a:ln>
+        </p:spPr>
+        <p:txBody>
+          <a:bodyPr spcFirstLastPara="1" wrap="square" lIns="91425" tIns="45700" rIns="91425" bIns="45700" anchor="ctr" anchorCtr="0">
+            <a:noAutofit/>
+          </a:bodyPr>
+          <a:lstStyle/>
+          <a:p>
+            <a:pPr algn="ctr"/>
+            <a:r>
+              <a:rPr lang="es-419" dirty="0">
+                <a:solidFill>
+                  <a:schemeClr val="dk1"/>
+                </a:solidFill>
+                <a:latin typeface="Calibri"/>
+                <a:ea typeface="Calibri"/>
+                <a:cs typeface="Calibri"/>
+                <a:sym typeface="Calibri"/>
+              </a:rPr>
+              <a:t>Log</a:t>
+            </a:r>
+            <a:endParaRPr dirty="0">
+              <a:solidFill>
+                <a:schemeClr val="dk1"/>
+              </a:solidFill>
+              <a:latin typeface="Calibri"/>
+              <a:ea typeface="Calibri"/>
+              <a:cs typeface="Calibri"/>
+              <a:sym typeface="Calibri"/>
+            </a:endParaRPr>
+          </a:p>
+        </p:txBody>
+      </p:sp>
+      <p:cxnSp>
+        <p:nvCxnSpPr>
+          <p:cNvPr id="178" name="Google Shape;166;p28">
+            <a:extLst>
+              <a:ext uri="{FF2B5EF4-FFF2-40B4-BE49-F238E27FC236}">
+                <a16:creationId xmlns:a16="http://schemas.microsoft.com/office/drawing/2014/main" id="{560C34BF-C2B9-4A28-8D70-ACBFCAA20540}"/>
+              </a:ext>
+            </a:extLst>
+          </p:cNvPr>
+          <p:cNvCxnSpPr>
+            <a:cxnSpLocks/>
+            <a:stCxn id="80" idx="1"/>
+            <a:endCxn id="147" idx="3"/>
+          </p:cNvCxnSpPr>
+          <p:nvPr/>
+        </p:nvCxnSpPr>
+        <p:spPr>
+          <a:xfrm rot="10800000" flipV="1">
+            <a:off x="6637434" y="544605"/>
+            <a:ext cx="1080132" cy="10583"/>
+          </a:xfrm>
+          <a:prstGeom prst="bentConnector3">
+            <a:avLst>
+              <a:gd name="adj1" fmla="val 50000"/>
+            </a:avLst>
+          </a:prstGeom>
+          <a:noFill/>
+          <a:ln w="9525" cap="flat" cmpd="sng">
+            <a:solidFill>
+              <a:srgbClr val="3D85C6"/>
+            </a:solidFill>
+            <a:prstDash val="solid"/>
+            <a:round/>
+            <a:headEnd type="none" w="med" len="med"/>
+            <a:tailEnd type="none" w="med" len="med"/>
+          </a:ln>
+        </p:spPr>
+      </p:cxnSp>
+      <p:cxnSp>
+        <p:nvCxnSpPr>
+          <p:cNvPr id="181" name="Google Shape;166;p28">
+            <a:extLst>
+              <a:ext uri="{FF2B5EF4-FFF2-40B4-BE49-F238E27FC236}">
+                <a16:creationId xmlns:a16="http://schemas.microsoft.com/office/drawing/2014/main" id="{E1CE7C4C-3F54-4A3E-AFA9-5E581CE9823B}"/>
+              </a:ext>
+            </a:extLst>
+          </p:cNvPr>
+          <p:cNvCxnSpPr>
+            <a:cxnSpLocks/>
+            <a:stCxn id="147" idx="1"/>
+            <a:endCxn id="61" idx="0"/>
+          </p:cNvCxnSpPr>
+          <p:nvPr/>
+        </p:nvCxnSpPr>
+        <p:spPr>
+          <a:xfrm rot="10800000" flipV="1">
+            <a:off x="4586134" y="555189"/>
+            <a:ext cx="1454301" cy="541732"/>
+          </a:xfrm>
+          <a:prstGeom prst="bentConnector2">
+            <a:avLst/>
+          </a:prstGeom>
+          <a:noFill/>
+          <a:ln w="9525" cap="flat" cmpd="sng">
+            <a:solidFill>
+              <a:srgbClr val="3D85C6"/>
+            </a:solidFill>
+            <a:prstDash val="solid"/>
+            <a:round/>
+            <a:headEnd type="none" w="med" len="med"/>
+            <a:tailEnd type="none" w="med" len="med"/>
+          </a:ln>
+        </p:spPr>
+      </p:cxnSp>
+      <p:sp>
+        <p:nvSpPr>
+          <p:cNvPr id="193" name="Google Shape;152;p28">
+            <a:extLst>
+              <a:ext uri="{FF2B5EF4-FFF2-40B4-BE49-F238E27FC236}">
+                <a16:creationId xmlns:a16="http://schemas.microsoft.com/office/drawing/2014/main" id="{E9CA90F6-FC35-42B3-A011-21E4D25BE0A3}"/>
+              </a:ext>
+            </a:extLst>
+          </p:cNvPr>
+          <p:cNvSpPr txBox="1"/>
+          <p:nvPr/>
+        </p:nvSpPr>
+        <p:spPr>
+          <a:xfrm>
+            <a:off x="2892139" y="1040016"/>
+            <a:ext cx="808064" cy="457579"/>
+          </a:xfrm>
+          <a:prstGeom prst="rect">
+            <a:avLst/>
+          </a:prstGeom>
+          <a:noFill/>
+          <a:ln>
+            <a:noFill/>
+          </a:ln>
+        </p:spPr>
+        <p:txBody>
+          <a:bodyPr spcFirstLastPara="1" wrap="square" lIns="91425" tIns="45700" rIns="91425" bIns="45700" anchor="t" anchorCtr="0">
+            <a:noAutofit/>
+          </a:bodyPr>
+          <a:lstStyle/>
+          <a:p>
+            <a:r>
+              <a:rPr lang="es-419" sz="1200" b="1" dirty="0">
+                <a:solidFill>
+                  <a:schemeClr val="dk1"/>
+                </a:solidFill>
+                <a:latin typeface="Calibri"/>
+                <a:ea typeface="Calibri"/>
+                <a:cs typeface="Calibri"/>
+                <a:sym typeface="Calibri"/>
+              </a:rPr>
+              <a:t>ID</a:t>
+            </a:r>
+            <a:endParaRPr sz="1200" b="1" dirty="0">
+              <a:solidFill>
+                <a:schemeClr val="dk1"/>
+              </a:solidFill>
+              <a:latin typeface="Calibri"/>
+              <a:ea typeface="Calibri"/>
+              <a:cs typeface="Calibri"/>
+              <a:sym typeface="Calibri"/>
+            </a:endParaRPr>
+          </a:p>
+          <a:p>
+            <a:r>
+              <a:rPr lang="es-419" sz="1200" dirty="0">
+                <a:solidFill>
+                  <a:schemeClr val="dk1"/>
+                </a:solidFill>
+                <a:latin typeface="Calibri"/>
+                <a:ea typeface="Calibri"/>
+                <a:cs typeface="Calibri"/>
+                <a:sym typeface="Calibri"/>
+              </a:rPr>
+              <a:t>response</a:t>
+            </a:r>
+          </a:p>
+          <a:p>
+            <a:endParaRPr sz="1200" dirty="0">
+              <a:solidFill>
+                <a:schemeClr val="dk1"/>
+              </a:solidFill>
+              <a:latin typeface="Calibri"/>
+              <a:ea typeface="Calibri"/>
+              <a:cs typeface="Calibri"/>
+              <a:sym typeface="Calibri"/>
+            </a:endParaRPr>
+          </a:p>
+          <a:p>
+            <a:endParaRPr sz="1200" dirty="0">
+              <a:solidFill>
+                <a:schemeClr val="dk1"/>
+              </a:solidFill>
+              <a:latin typeface="Calibri"/>
+              <a:ea typeface="Calibri"/>
+              <a:cs typeface="Calibri"/>
+              <a:sym typeface="Calibri"/>
+            </a:endParaRPr>
+          </a:p>
+          <a:p>
+            <a:endParaRPr sz="1200" dirty="0">
+              <a:solidFill>
+                <a:schemeClr val="dk1"/>
+              </a:solidFill>
+              <a:latin typeface="Calibri"/>
+              <a:ea typeface="Calibri"/>
+              <a:cs typeface="Calibri"/>
+              <a:sym typeface="Calibri"/>
+            </a:endParaRPr>
+          </a:p>
+          <a:p>
+            <a:endParaRPr sz="1200" dirty="0">
+              <a:solidFill>
+                <a:schemeClr val="dk1"/>
+              </a:solidFill>
+              <a:latin typeface="Calibri"/>
+              <a:ea typeface="Calibri"/>
+              <a:cs typeface="Calibri"/>
+              <a:sym typeface="Calibri"/>
+            </a:endParaRPr>
+          </a:p>
+        </p:txBody>
+      </p:sp>
+      <p:sp>
+        <p:nvSpPr>
+          <p:cNvPr id="194" name="Google Shape;163;p28">
+            <a:extLst>
+              <a:ext uri="{FF2B5EF4-FFF2-40B4-BE49-F238E27FC236}">
+                <a16:creationId xmlns:a16="http://schemas.microsoft.com/office/drawing/2014/main" id="{D9168133-8DB3-43B8-A8FE-466189740FAE}"/>
+              </a:ext>
+            </a:extLst>
+          </p:cNvPr>
+          <p:cNvSpPr txBox="1"/>
+          <p:nvPr/>
+        </p:nvSpPr>
+        <p:spPr>
+          <a:xfrm>
+            <a:off x="4533551" y="758304"/>
+            <a:ext cx="513300" cy="276900"/>
+          </a:xfrm>
+          <a:prstGeom prst="rect">
+            <a:avLst/>
+          </a:prstGeom>
+          <a:noFill/>
+          <a:ln>
+            <a:noFill/>
+          </a:ln>
+        </p:spPr>
+        <p:txBody>
+          <a:bodyPr spcFirstLastPara="1" wrap="square" lIns="91425" tIns="45700" rIns="91425" bIns="45700" anchor="t" anchorCtr="0">
+            <a:noAutofit/>
+          </a:bodyPr>
+          <a:lstStyle/>
+          <a:p>
+            <a:r>
+              <a:rPr lang="es-419" sz="1600" dirty="0">
+                <a:solidFill>
+                  <a:schemeClr val="dk1"/>
+                </a:solidFill>
+                <a:latin typeface="Calibri"/>
+                <a:ea typeface="Calibri"/>
+                <a:cs typeface="Calibri"/>
+                <a:sym typeface="Calibri"/>
+              </a:rPr>
+              <a:t>1:1</a:t>
+            </a:r>
+            <a:endParaRPr sz="1600" dirty="0">
+              <a:solidFill>
+                <a:schemeClr val="dk1"/>
+              </a:solidFill>
+              <a:latin typeface="Calibri"/>
+              <a:ea typeface="Calibri"/>
+              <a:cs typeface="Calibri"/>
+              <a:sym typeface="Calibri"/>
+            </a:endParaRPr>
+          </a:p>
+        </p:txBody>
+      </p:sp>
+      <p:sp>
+        <p:nvSpPr>
+          <p:cNvPr id="195" name="Google Shape;163;p28">
+            <a:extLst>
+              <a:ext uri="{FF2B5EF4-FFF2-40B4-BE49-F238E27FC236}">
+                <a16:creationId xmlns:a16="http://schemas.microsoft.com/office/drawing/2014/main" id="{4178AFC8-59F7-4686-94D2-96B580B885E1}"/>
+              </a:ext>
+            </a:extLst>
+          </p:cNvPr>
+          <p:cNvSpPr txBox="1"/>
+          <p:nvPr/>
+        </p:nvSpPr>
+        <p:spPr>
+          <a:xfrm>
+            <a:off x="7256640" y="259196"/>
+            <a:ext cx="513300" cy="276900"/>
+          </a:xfrm>
+          <a:prstGeom prst="rect">
+            <a:avLst/>
+          </a:prstGeom>
+          <a:noFill/>
+          <a:ln>
+            <a:noFill/>
+          </a:ln>
+        </p:spPr>
+        <p:txBody>
+          <a:bodyPr spcFirstLastPara="1" wrap="square" lIns="91425" tIns="45700" rIns="91425" bIns="45700" anchor="t" anchorCtr="0">
+            <a:noAutofit/>
+          </a:bodyPr>
+          <a:lstStyle/>
+          <a:p>
+            <a:r>
+              <a:rPr lang="es-419" sz="1600" dirty="0">
+                <a:solidFill>
+                  <a:schemeClr val="dk1"/>
+                </a:solidFill>
+                <a:latin typeface="Calibri"/>
+                <a:ea typeface="Calibri"/>
+                <a:cs typeface="Calibri"/>
+                <a:sym typeface="Calibri"/>
+              </a:rPr>
+              <a:t>0:N</a:t>
+            </a:r>
+            <a:endParaRPr sz="1600" dirty="0">
+              <a:solidFill>
+                <a:schemeClr val="dk1"/>
+              </a:solidFill>
+              <a:latin typeface="Calibri"/>
+              <a:ea typeface="Calibri"/>
+              <a:cs typeface="Calibri"/>
+              <a:sym typeface="Calibri"/>
+            </a:endParaRPr>
+          </a:p>
+        </p:txBody>
+      </p:sp>
+      <p:sp>
+        <p:nvSpPr>
+          <p:cNvPr id="196" name="Google Shape;156;p28">
+            <a:extLst>
+              <a:ext uri="{FF2B5EF4-FFF2-40B4-BE49-F238E27FC236}">
+                <a16:creationId xmlns:a16="http://schemas.microsoft.com/office/drawing/2014/main" id="{AF19091A-60BF-4064-BB3C-37B013E10465}"/>
+              </a:ext>
+            </a:extLst>
+          </p:cNvPr>
+          <p:cNvSpPr/>
+          <p:nvPr/>
+        </p:nvSpPr>
+        <p:spPr>
+          <a:xfrm>
+            <a:off x="1824287" y="1626738"/>
+            <a:ext cx="597000" cy="394800"/>
+          </a:xfrm>
+          <a:prstGeom prst="diamond">
+            <a:avLst/>
+          </a:prstGeom>
+          <a:solidFill>
+            <a:schemeClr val="lt1"/>
+          </a:solidFill>
+          <a:ln w="25400" cap="flat" cmpd="sng">
+            <a:solidFill>
+              <a:schemeClr val="accent6"/>
+            </a:solidFill>
+            <a:prstDash val="solid"/>
+            <a:round/>
+            <a:headEnd type="none" w="sm" len="sm"/>
+            <a:tailEnd type="none" w="sm" len="sm"/>
+          </a:ln>
+        </p:spPr>
+        <p:txBody>
+          <a:bodyPr spcFirstLastPara="1" wrap="square" lIns="91425" tIns="45700" rIns="91425" bIns="45700" anchor="ctr" anchorCtr="0">
+            <a:noAutofit/>
+          </a:bodyPr>
+          <a:lstStyle/>
+          <a:p>
+            <a:pPr algn="ctr"/>
+            <a:endParaRPr>
+              <a:solidFill>
+                <a:schemeClr val="dk1"/>
+              </a:solidFill>
+              <a:latin typeface="Calibri"/>
+              <a:ea typeface="Calibri"/>
+              <a:cs typeface="Calibri"/>
+              <a:sym typeface="Calibri"/>
+            </a:endParaRPr>
+          </a:p>
+        </p:txBody>
+      </p:sp>
+      <p:sp>
+        <p:nvSpPr>
+          <p:cNvPr id="197" name="Google Shape;149;p28">
+            <a:extLst>
+              <a:ext uri="{FF2B5EF4-FFF2-40B4-BE49-F238E27FC236}">
+                <a16:creationId xmlns:a16="http://schemas.microsoft.com/office/drawing/2014/main" id="{44B96888-6FFC-4054-9732-E2D4D60AA0EA}"/>
+              </a:ext>
+            </a:extLst>
+          </p:cNvPr>
+          <p:cNvSpPr txBox="1"/>
+          <p:nvPr/>
+        </p:nvSpPr>
+        <p:spPr>
+          <a:xfrm>
+            <a:off x="6888935" y="6039944"/>
+            <a:ext cx="876171" cy="786623"/>
+          </a:xfrm>
+          <a:prstGeom prst="rect">
+            <a:avLst/>
+          </a:prstGeom>
+          <a:noFill/>
+          <a:ln>
+            <a:noFill/>
+          </a:ln>
+        </p:spPr>
+        <p:txBody>
+          <a:bodyPr spcFirstLastPara="1" wrap="square" lIns="91425" tIns="45700" rIns="91425" bIns="45700" anchor="t" anchorCtr="0">
+            <a:noAutofit/>
+          </a:bodyPr>
+          <a:lstStyle/>
+          <a:p>
+            <a:pPr algn="r"/>
+            <a:r>
+              <a:rPr lang="es-419" sz="1200" b="1" dirty="0">
+                <a:solidFill>
+                  <a:schemeClr val="dk1"/>
+                </a:solidFill>
+                <a:latin typeface="Calibri"/>
+                <a:ea typeface="Calibri"/>
+                <a:cs typeface="Calibri"/>
+                <a:sym typeface="Calibri"/>
+              </a:rPr>
+              <a:t>ID</a:t>
+            </a:r>
+            <a:endParaRPr sz="1200" b="1" dirty="0"/>
+          </a:p>
+          <a:p>
+            <a:pPr algn="r"/>
+            <a:r>
+              <a:rPr lang="en-US" sz="1200" dirty="0">
+                <a:solidFill>
+                  <a:schemeClr val="dk1"/>
+                </a:solidFill>
+                <a:latin typeface="Calibri"/>
+                <a:ea typeface="Calibri"/>
+                <a:cs typeface="Calibri"/>
+                <a:sym typeface="Calibri"/>
+              </a:rPr>
+              <a:t>username</a:t>
+            </a:r>
+          </a:p>
+          <a:p>
+            <a:pPr algn="r"/>
+            <a:r>
+              <a:rPr lang="es-419" sz="1200" dirty="0">
+                <a:solidFill>
+                  <a:schemeClr val="dk1"/>
+                </a:solidFill>
+                <a:latin typeface="Calibri"/>
+                <a:ea typeface="Calibri"/>
+                <a:cs typeface="Calibri"/>
+                <a:sym typeface="Calibri"/>
+              </a:rPr>
+              <a:t>password</a:t>
+            </a:r>
+            <a:endParaRPr sz="1200" dirty="0">
+              <a:solidFill>
+                <a:schemeClr val="dk1"/>
+              </a:solidFill>
+              <a:latin typeface="Calibri"/>
+              <a:ea typeface="Calibri"/>
+              <a:cs typeface="Calibri"/>
+              <a:sym typeface="Calibri"/>
+            </a:endParaRPr>
+          </a:p>
+          <a:p>
+            <a:pPr algn="r"/>
+            <a:r>
+              <a:rPr lang="es-419" sz="1200" dirty="0">
+                <a:solidFill>
+                  <a:schemeClr val="dk1"/>
+                </a:solidFill>
+                <a:latin typeface="Calibri"/>
+                <a:ea typeface="Calibri"/>
+                <a:cs typeface="Calibri"/>
+                <a:sym typeface="Calibri"/>
+              </a:rPr>
+              <a:t>email</a:t>
+            </a:r>
+            <a:endParaRPr lang="it-IT" sz="1200" dirty="0">
+              <a:solidFill>
+                <a:schemeClr val="dk1"/>
+              </a:solidFill>
+              <a:latin typeface="Calibri"/>
+              <a:ea typeface="Calibri"/>
+              <a:cs typeface="Calibri"/>
+              <a:sym typeface="Calibri"/>
+            </a:endParaRPr>
+          </a:p>
+          <a:p>
+            <a:pPr algn="r"/>
+            <a:endParaRPr lang="it-IT" sz="1200" dirty="0">
+              <a:solidFill>
+                <a:schemeClr val="dk1"/>
+              </a:solidFill>
+              <a:latin typeface="Calibri"/>
+              <a:ea typeface="Calibri"/>
+              <a:cs typeface="Calibri"/>
+              <a:sym typeface="Calibri"/>
+            </a:endParaRPr>
+          </a:p>
+        </p:txBody>
+      </p:sp>
+      <p:cxnSp>
+        <p:nvCxnSpPr>
+          <p:cNvPr id="198" name="Google Shape;166;p28">
+            <a:extLst>
+              <a:ext uri="{FF2B5EF4-FFF2-40B4-BE49-F238E27FC236}">
+                <a16:creationId xmlns:a16="http://schemas.microsoft.com/office/drawing/2014/main" id="{F6FDD4A0-6F98-48CF-9D12-A94BF5825292}"/>
+              </a:ext>
+            </a:extLst>
+          </p:cNvPr>
+          <p:cNvCxnSpPr>
+            <a:cxnSpLocks/>
+            <a:stCxn id="177" idx="2"/>
+            <a:endCxn id="196" idx="0"/>
+          </p:cNvCxnSpPr>
+          <p:nvPr/>
+        </p:nvCxnSpPr>
+        <p:spPr>
+          <a:xfrm rot="16200000" flipH="1">
+            <a:off x="1269102" y="773052"/>
+            <a:ext cx="901011" cy="806359"/>
+          </a:xfrm>
+          <a:prstGeom prst="bentConnector3">
+            <a:avLst>
+              <a:gd name="adj1" fmla="val 50000"/>
+            </a:avLst>
+          </a:prstGeom>
+          <a:noFill/>
+          <a:ln w="9525" cap="flat" cmpd="sng">
+            <a:solidFill>
+              <a:srgbClr val="3D85C6"/>
+            </a:solidFill>
+            <a:prstDash val="solid"/>
+            <a:round/>
+            <a:headEnd type="none" w="med" len="med"/>
+            <a:tailEnd type="none" w="med" len="med"/>
+          </a:ln>
+        </p:spPr>
+      </p:cxnSp>
+      <p:cxnSp>
+        <p:nvCxnSpPr>
+          <p:cNvPr id="201" name="Google Shape;166;p28">
+            <a:extLst>
+              <a:ext uri="{FF2B5EF4-FFF2-40B4-BE49-F238E27FC236}">
+                <a16:creationId xmlns:a16="http://schemas.microsoft.com/office/drawing/2014/main" id="{6CA8C32D-F50B-4F70-A3B9-DB92D61A6F81}"/>
+              </a:ext>
+            </a:extLst>
+          </p:cNvPr>
+          <p:cNvCxnSpPr>
+            <a:cxnSpLocks/>
+            <a:stCxn id="196" idx="2"/>
+            <a:endCxn id="53" idx="0"/>
+          </p:cNvCxnSpPr>
+          <p:nvPr/>
+        </p:nvCxnSpPr>
+        <p:spPr>
+          <a:xfrm rot="16200000" flipH="1">
+            <a:off x="1792165" y="2352159"/>
+            <a:ext cx="1066053" cy="404809"/>
+          </a:xfrm>
+          <a:prstGeom prst="bentConnector3">
+            <a:avLst>
+              <a:gd name="adj1" fmla="val 50000"/>
+            </a:avLst>
+          </a:prstGeom>
+          <a:noFill/>
+          <a:ln w="9525" cap="flat" cmpd="sng">
+            <a:solidFill>
+              <a:srgbClr val="3D85C6"/>
+            </a:solidFill>
+            <a:prstDash val="solid"/>
+            <a:round/>
+            <a:headEnd type="none" w="med" len="med"/>
+            <a:tailEnd type="none" w="med" len="med"/>
+          </a:ln>
+        </p:spPr>
+      </p:cxnSp>
+      <p:sp>
+        <p:nvSpPr>
+          <p:cNvPr id="204" name="Google Shape;163;p28">
+            <a:extLst>
+              <a:ext uri="{FF2B5EF4-FFF2-40B4-BE49-F238E27FC236}">
+                <a16:creationId xmlns:a16="http://schemas.microsoft.com/office/drawing/2014/main" id="{0ACB19B7-AFF6-44C0-9D5A-169094B9DBFA}"/>
+              </a:ext>
+            </a:extLst>
+          </p:cNvPr>
+          <p:cNvSpPr txBox="1"/>
+          <p:nvPr/>
+        </p:nvSpPr>
+        <p:spPr>
+          <a:xfrm>
+            <a:off x="1250185" y="758304"/>
+            <a:ext cx="513300" cy="276900"/>
+          </a:xfrm>
+          <a:prstGeom prst="rect">
+            <a:avLst/>
+          </a:prstGeom>
+          <a:noFill/>
+          <a:ln>
+            <a:noFill/>
+          </a:ln>
+        </p:spPr>
+        <p:txBody>
+          <a:bodyPr spcFirstLastPara="1" wrap="square" lIns="91425" tIns="45700" rIns="91425" bIns="45700" anchor="t" anchorCtr="0">
+            <a:noAutofit/>
+          </a:bodyPr>
+          <a:lstStyle/>
+          <a:p>
+            <a:r>
+              <a:rPr lang="es-419" sz="1600" dirty="0">
+                <a:solidFill>
+                  <a:schemeClr val="dk1"/>
+                </a:solidFill>
+                <a:latin typeface="Calibri"/>
+                <a:ea typeface="Calibri"/>
+                <a:cs typeface="Calibri"/>
+                <a:sym typeface="Calibri"/>
+              </a:rPr>
+              <a:t>1:1</a:t>
+            </a:r>
+            <a:endParaRPr sz="1600" dirty="0">
+              <a:solidFill>
+                <a:schemeClr val="dk1"/>
+              </a:solidFill>
+              <a:latin typeface="Calibri"/>
+              <a:ea typeface="Calibri"/>
+              <a:cs typeface="Calibri"/>
+              <a:sym typeface="Calibri"/>
+            </a:endParaRPr>
+          </a:p>
+        </p:txBody>
+      </p:sp>
+      <p:sp>
+        <p:nvSpPr>
+          <p:cNvPr id="205" name="Google Shape;163;p28">
+            <a:extLst>
+              <a:ext uri="{FF2B5EF4-FFF2-40B4-BE49-F238E27FC236}">
+                <a16:creationId xmlns:a16="http://schemas.microsoft.com/office/drawing/2014/main" id="{15A19F41-0A2F-4C58-939E-61590F57E539}"/>
+              </a:ext>
+            </a:extLst>
+          </p:cNvPr>
+          <p:cNvSpPr txBox="1"/>
+          <p:nvPr/>
+        </p:nvSpPr>
+        <p:spPr>
+          <a:xfrm>
+            <a:off x="2504355" y="2772566"/>
+            <a:ext cx="513300" cy="276900"/>
+          </a:xfrm>
+          <a:prstGeom prst="rect">
+            <a:avLst/>
+          </a:prstGeom>
+          <a:noFill/>
+          <a:ln>
+            <a:noFill/>
+          </a:ln>
+        </p:spPr>
+        <p:txBody>
+          <a:bodyPr spcFirstLastPara="1" wrap="square" lIns="91425" tIns="45700" rIns="91425" bIns="45700" anchor="t" anchorCtr="0">
+            <a:noAutofit/>
+          </a:bodyPr>
+          <a:lstStyle/>
+          <a:p>
+            <a:r>
+              <a:rPr lang="es-419" sz="1600" dirty="0">
+                <a:solidFill>
+                  <a:schemeClr val="dk1"/>
+                </a:solidFill>
+                <a:latin typeface="Calibri"/>
+                <a:ea typeface="Calibri"/>
+                <a:cs typeface="Calibri"/>
+                <a:sym typeface="Calibri"/>
+              </a:rPr>
+              <a:t>0:N</a:t>
+            </a:r>
+            <a:endParaRPr sz="1600" dirty="0">
+              <a:solidFill>
+                <a:schemeClr val="dk1"/>
+              </a:solidFill>
+              <a:latin typeface="Calibri"/>
+              <a:ea typeface="Calibri"/>
+              <a:cs typeface="Calibri"/>
+              <a:sym typeface="Calibri"/>
+            </a:endParaRPr>
+          </a:p>
+        </p:txBody>
+      </p:sp>
+      <p:sp>
+        <p:nvSpPr>
+          <p:cNvPr id="207" name="Google Shape;152;p28">
+            <a:extLst>
+              <a:ext uri="{FF2B5EF4-FFF2-40B4-BE49-F238E27FC236}">
+                <a16:creationId xmlns:a16="http://schemas.microsoft.com/office/drawing/2014/main" id="{04DC340A-4D87-4D9C-8A94-75C155C981F6}"/>
+              </a:ext>
+            </a:extLst>
+          </p:cNvPr>
+          <p:cNvSpPr txBox="1"/>
+          <p:nvPr/>
+        </p:nvSpPr>
+        <p:spPr>
+          <a:xfrm>
+            <a:off x="2232159" y="140453"/>
+            <a:ext cx="867647" cy="457579"/>
+          </a:xfrm>
+          <a:prstGeom prst="rect">
+            <a:avLst/>
+          </a:prstGeom>
+          <a:noFill/>
+          <a:ln>
+            <a:noFill/>
+          </a:ln>
+        </p:spPr>
+        <p:txBody>
+          <a:bodyPr spcFirstLastPara="1" wrap="square" lIns="91425" tIns="45700" rIns="91425" bIns="45700" anchor="t" anchorCtr="0">
+            <a:noAutofit/>
+          </a:bodyPr>
+          <a:lstStyle/>
+          <a:p>
+            <a:r>
+              <a:rPr lang="es-419" sz="1200" b="1" dirty="0">
+                <a:solidFill>
+                  <a:schemeClr val="dk1"/>
+                </a:solidFill>
+                <a:latin typeface="Calibri"/>
+                <a:ea typeface="Calibri"/>
+                <a:cs typeface="Calibri"/>
+                <a:sym typeface="Calibri"/>
+              </a:rPr>
+              <a:t>ID</a:t>
+            </a:r>
+            <a:endParaRPr sz="1200" b="1" dirty="0">
+              <a:solidFill>
+                <a:schemeClr val="dk1"/>
+              </a:solidFill>
+              <a:latin typeface="Calibri"/>
+              <a:ea typeface="Calibri"/>
+              <a:cs typeface="Calibri"/>
+              <a:sym typeface="Calibri"/>
+            </a:endParaRPr>
+          </a:p>
+          <a:p>
+            <a:r>
+              <a:rPr lang="it-IT" sz="1200" dirty="0">
+                <a:solidFill>
+                  <a:schemeClr val="dk1"/>
+                </a:solidFill>
+                <a:latin typeface="Calibri"/>
+                <a:ea typeface="Calibri"/>
+                <a:cs typeface="Calibri"/>
+                <a:sym typeface="Calibri"/>
+              </a:rPr>
+              <a:t>timestamp</a:t>
+            </a:r>
+            <a:endParaRPr sz="1200" dirty="0">
+              <a:solidFill>
+                <a:schemeClr val="dk1"/>
+              </a:solidFill>
+              <a:latin typeface="Calibri"/>
+              <a:ea typeface="Calibri"/>
+              <a:cs typeface="Calibri"/>
+              <a:sym typeface="Calibri"/>
+            </a:endParaRPr>
+          </a:p>
+          <a:p>
+            <a:endParaRPr sz="1200" dirty="0">
+              <a:solidFill>
+                <a:schemeClr val="dk1"/>
+              </a:solidFill>
+              <a:latin typeface="Calibri"/>
+              <a:ea typeface="Calibri"/>
+              <a:cs typeface="Calibri"/>
+              <a:sym typeface="Calibri"/>
+            </a:endParaRPr>
+          </a:p>
+          <a:p>
+            <a:endParaRPr sz="1200" dirty="0">
+              <a:solidFill>
+                <a:schemeClr val="dk1"/>
+              </a:solidFill>
+              <a:latin typeface="Calibri"/>
+              <a:ea typeface="Calibri"/>
+              <a:cs typeface="Calibri"/>
+              <a:sym typeface="Calibri"/>
+            </a:endParaRPr>
+          </a:p>
+          <a:p>
+            <a:endParaRPr sz="1200" dirty="0">
+              <a:solidFill>
+                <a:schemeClr val="dk1"/>
+              </a:solidFill>
+              <a:latin typeface="Calibri"/>
+              <a:ea typeface="Calibri"/>
+              <a:cs typeface="Calibri"/>
+              <a:sym typeface="Calibri"/>
+            </a:endParaRPr>
+          </a:p>
+        </p:txBody>
+      </p:sp>
+    </p:spTree>
+    <p:extLst>
+      <p:ext uri="{BB962C8B-B14F-4D97-AF65-F5344CB8AC3E}">
+        <p14:creationId xmlns:p14="http://schemas.microsoft.com/office/powerpoint/2010/main" val="1804932418"/>
+      </p:ext>
+    </p:extLst>
+  </p:cSld>
+  <p:clrMapOvr>
+    <a:masterClrMapping/>
+  </p:clrMapOvr>
+</p:sld>
+</file>
+
+<file path=ppt/slides/slide5.xml><?xml version="1.0" encoding="utf-8"?>
 <p:sld xmlns:a="http://schemas.openxmlformats.org/drawingml/2006/main" xmlns:r="http://schemas.openxmlformats.org/officeDocument/2006/relationships" xmlns:p="http://schemas.openxmlformats.org/presentationml/2006/main">
   <p:cSld>
     <p:spTree>

--- a/PROJECT.pptx
+++ b/PROJECT.pptx
@@ -7981,7 +7981,49 @@
                 <a:cs typeface="Calibri"/>
                 <a:sym typeface="Calibri"/>
               </a:rPr>
-              <a:t>score</a:t>
+              <a:t>Score, </a:t>
+            </a:r>
+          </a:p>
+          <a:p>
+            <a:r>
+              <a:rPr lang="es-419" sz="1200" dirty="0">
+                <a:solidFill>
+                  <a:schemeClr val="dk1"/>
+                </a:solidFill>
+                <a:latin typeface="Calibri"/>
+                <a:ea typeface="Calibri"/>
+                <a:cs typeface="Calibri"/>
+                <a:sym typeface="Calibri"/>
+              </a:rPr>
+              <a:t>Sex,</a:t>
+            </a:r>
+          </a:p>
+          <a:p>
+            <a:r>
+              <a:rPr lang="es-419" sz="1200" dirty="0">
+                <a:solidFill>
+                  <a:schemeClr val="dk1"/>
+                </a:solidFill>
+                <a:latin typeface="Calibri"/>
+                <a:ea typeface="Calibri"/>
+                <a:cs typeface="Calibri"/>
+                <a:sym typeface="Calibri"/>
+              </a:rPr>
+              <a:t>Age,</a:t>
+            </a:r>
+          </a:p>
+          <a:p>
+            <a:r>
+              <a:rPr lang="es-419" sz="1200" dirty="0" err="1">
+                <a:solidFill>
+                  <a:schemeClr val="dk1"/>
+                </a:solidFill>
+                <a:latin typeface="Calibri"/>
+                <a:ea typeface="Calibri"/>
+                <a:cs typeface="Calibri"/>
+                <a:sym typeface="Calibri"/>
+              </a:rPr>
+              <a:t>expertice</a:t>
             </a:r>
             <a:endParaRPr sz="1200" dirty="0">
               <a:solidFill>

--- a/PROJECT.pptx
+++ b/PROJECT.pptx
@@ -265,7 +265,7 @@
           <a:p>
             <a:fld id="{AFE15163-DA2F-49D8-AEDF-CC6BD4EA0BFD}" type="datetimeFigureOut">
               <a:rPr lang="en-US" smtClean="0"/>
-              <a:t>2/23/2021</a:t>
+              <a:t>2/24/2021</a:t>
             </a:fld>
             <a:endParaRPr lang="en-US"/>
           </a:p>
@@ -465,7 +465,7 @@
           <a:p>
             <a:fld id="{AFE15163-DA2F-49D8-AEDF-CC6BD4EA0BFD}" type="datetimeFigureOut">
               <a:rPr lang="en-US" smtClean="0"/>
-              <a:t>2/23/2021</a:t>
+              <a:t>2/24/2021</a:t>
             </a:fld>
             <a:endParaRPr lang="en-US"/>
           </a:p>
@@ -675,7 +675,7 @@
           <a:p>
             <a:fld id="{AFE15163-DA2F-49D8-AEDF-CC6BD4EA0BFD}" type="datetimeFigureOut">
               <a:rPr lang="en-US" smtClean="0"/>
-              <a:t>2/23/2021</a:t>
+              <a:t>2/24/2021</a:t>
             </a:fld>
             <a:endParaRPr lang="en-US"/>
           </a:p>
@@ -875,7 +875,7 @@
           <a:p>
             <a:fld id="{AFE15163-DA2F-49D8-AEDF-CC6BD4EA0BFD}" type="datetimeFigureOut">
               <a:rPr lang="en-US" smtClean="0"/>
-              <a:t>2/23/2021</a:t>
+              <a:t>2/24/2021</a:t>
             </a:fld>
             <a:endParaRPr lang="en-US"/>
           </a:p>
@@ -1151,7 +1151,7 @@
           <a:p>
             <a:fld id="{AFE15163-DA2F-49D8-AEDF-CC6BD4EA0BFD}" type="datetimeFigureOut">
               <a:rPr lang="en-US" smtClean="0"/>
-              <a:t>2/23/2021</a:t>
+              <a:t>2/24/2021</a:t>
             </a:fld>
             <a:endParaRPr lang="en-US"/>
           </a:p>
@@ -1419,7 +1419,7 @@
           <a:p>
             <a:fld id="{AFE15163-DA2F-49D8-AEDF-CC6BD4EA0BFD}" type="datetimeFigureOut">
               <a:rPr lang="en-US" smtClean="0"/>
-              <a:t>2/23/2021</a:t>
+              <a:t>2/24/2021</a:t>
             </a:fld>
             <a:endParaRPr lang="en-US"/>
           </a:p>
@@ -1834,7 +1834,7 @@
           <a:p>
             <a:fld id="{AFE15163-DA2F-49D8-AEDF-CC6BD4EA0BFD}" type="datetimeFigureOut">
               <a:rPr lang="en-US" smtClean="0"/>
-              <a:t>2/23/2021</a:t>
+              <a:t>2/24/2021</a:t>
             </a:fld>
             <a:endParaRPr lang="en-US"/>
           </a:p>
@@ -1976,7 +1976,7 @@
           <a:p>
             <a:fld id="{AFE15163-DA2F-49D8-AEDF-CC6BD4EA0BFD}" type="datetimeFigureOut">
               <a:rPr lang="en-US" smtClean="0"/>
-              <a:t>2/23/2021</a:t>
+              <a:t>2/24/2021</a:t>
             </a:fld>
             <a:endParaRPr lang="en-US"/>
           </a:p>
@@ -2089,7 +2089,7 @@
           <a:p>
             <a:fld id="{AFE15163-DA2F-49D8-AEDF-CC6BD4EA0BFD}" type="datetimeFigureOut">
               <a:rPr lang="en-US" smtClean="0"/>
-              <a:t>2/23/2021</a:t>
+              <a:t>2/24/2021</a:t>
             </a:fld>
             <a:endParaRPr lang="en-US"/>
           </a:p>
@@ -2402,7 +2402,7 @@
           <a:p>
             <a:fld id="{AFE15163-DA2F-49D8-AEDF-CC6BD4EA0BFD}" type="datetimeFigureOut">
               <a:rPr lang="en-US" smtClean="0"/>
-              <a:t>2/23/2021</a:t>
+              <a:t>2/24/2021</a:t>
             </a:fld>
             <a:endParaRPr lang="en-US"/>
           </a:p>
@@ -2691,7 +2691,7 @@
           <a:p>
             <a:fld id="{AFE15163-DA2F-49D8-AEDF-CC6BD4EA0BFD}" type="datetimeFigureOut">
               <a:rPr lang="en-US" smtClean="0"/>
-              <a:t>2/23/2021</a:t>
+              <a:t>2/24/2021</a:t>
             </a:fld>
             <a:endParaRPr lang="en-US"/>
           </a:p>
@@ -2934,7 +2934,7 @@
           <a:p>
             <a:fld id="{AFE15163-DA2F-49D8-AEDF-CC6BD4EA0BFD}" type="datetimeFigureOut">
               <a:rPr lang="en-US" smtClean="0"/>
-              <a:t>2/23/2021</a:t>
+              <a:t>2/24/2021</a:t>
             </a:fld>
             <a:endParaRPr lang="en-US"/>
           </a:p>
@@ -8294,7 +8294,7 @@
                 <a:cs typeface="Calibri"/>
                 <a:sym typeface="Calibri"/>
               </a:rPr>
-              <a:t>0:N</a:t>
+              <a:t>1:1</a:t>
             </a:r>
             <a:endParaRPr sz="1600" dirty="0">
               <a:solidFill>
